--- a/Article presentation.pptx
+++ b/Article presentation.pptx
@@ -2484,62 +2484,6 @@
       </p:grpSpPr>
       <p:sp>
         <p:nvSpPr>
-          <p:cNvPr id="2" name="Tittel 1"/>
-          <p:cNvSpPr>
-            <a:spLocks noGrp="1"/>
-          </p:cNvSpPr>
-          <p:nvPr>
-            <p:ph type="ctrTitle"/>
-          </p:nvPr>
-        </p:nvSpPr>
-        <p:spPr>
-          <a:xfrm>
-            <a:off x="1267185" y="1100410"/>
-            <a:ext cx="7772400" cy="675821"/>
-          </a:xfrm>
-        </p:spPr>
-        <p:txBody>
-          <a:bodyPr/>
-          <a:lstStyle/>
-          <a:p>
-            <a:r>
-              <a:rPr lang="nb-NO" dirty="0"/>
-              <a:t>Tittel</a:t>
-            </a:r>
-          </a:p>
-        </p:txBody>
-      </p:sp>
-      <p:sp>
-        <p:nvSpPr>
-          <p:cNvPr id="3" name="Undertittel 2"/>
-          <p:cNvSpPr>
-            <a:spLocks noGrp="1"/>
-          </p:cNvSpPr>
-          <p:nvPr>
-            <p:ph type="subTitle" idx="1"/>
-          </p:nvPr>
-        </p:nvSpPr>
-        <p:spPr>
-          <a:xfrm>
-            <a:off x="1267185" y="1744145"/>
-            <a:ext cx="7399737" cy="1314450"/>
-          </a:xfrm>
-        </p:spPr>
-        <p:txBody>
-          <a:bodyPr>
-            <a:normAutofit/>
-          </a:bodyPr>
-          <a:lstStyle/>
-          <a:p>
-            <a:r>
-              <a:rPr lang="nb-NO" dirty="0"/>
-              <a:t>Undertittel. Evt. navn/dato/årstall</a:t>
-            </a:r>
-          </a:p>
-        </p:txBody>
-      </p:sp>
-      <p:sp>
-        <p:nvSpPr>
           <p:cNvPr id="5" name="TekstSylinder 4">
             <a:extLst>
               <a:ext uri="{FF2B5EF4-FFF2-40B4-BE49-F238E27FC236}">
@@ -2606,6 +2550,277 @@
               </a:rPr>
               <a:t> Science and Technology</a:t>
             </a:r>
+          </a:p>
+        </p:txBody>
+      </p:sp>
+      <p:sp>
+        <p:nvSpPr>
+          <p:cNvPr id="6" name="Undertittel 5">
+            <a:extLst>
+              <a:ext uri="{FF2B5EF4-FFF2-40B4-BE49-F238E27FC236}">
+                <a16:creationId xmlns:a16="http://schemas.microsoft.com/office/drawing/2014/main" id="{396CC1AA-3F0C-9740-8F96-A6DA4BC5D54F}"/>
+              </a:ext>
+            </a:extLst>
+          </p:cNvPr>
+          <p:cNvSpPr>
+            <a:spLocks noGrp="1"/>
+          </p:cNvSpPr>
+          <p:nvPr>
+            <p:ph type="subTitle" idx="1"/>
+          </p:nvPr>
+        </p:nvSpPr>
+        <p:spPr/>
+        <p:txBody>
+          <a:bodyPr/>
+          <a:lstStyle/>
+          <a:p>
+            <a:endParaRPr lang="en-GB" dirty="0"/>
+          </a:p>
+        </p:txBody>
+      </p:sp>
+      <p:sp>
+        <p:nvSpPr>
+          <p:cNvPr id="7" name="Undertittel 2">
+            <a:extLst>
+              <a:ext uri="{FF2B5EF4-FFF2-40B4-BE49-F238E27FC236}">
+                <a16:creationId xmlns:a16="http://schemas.microsoft.com/office/drawing/2014/main" id="{7AA22A1F-3AFF-0349-B0A1-DECD5A146FD3}"/>
+              </a:ext>
+            </a:extLst>
+          </p:cNvPr>
+          <p:cNvSpPr txBox="1">
+            <a:spLocks/>
+          </p:cNvSpPr>
+          <p:nvPr/>
+        </p:nvSpPr>
+        <p:spPr>
+          <a:xfrm>
+            <a:off x="1267186" y="1744145"/>
+            <a:ext cx="4621292" cy="486732"/>
+          </a:xfrm>
+          <a:prstGeom prst="rect">
+            <a:avLst/>
+          </a:prstGeom>
+        </p:spPr>
+        <p:txBody>
+          <a:bodyPr vert="horz" lIns="91440" tIns="45720" rIns="91440" bIns="45720" rtlCol="0">
+            <a:normAutofit/>
+          </a:bodyPr>
+          <a:lstStyle>
+            <a:lvl1pPr marL="0" indent="0" algn="l" defTabSz="457200" rtl="0" eaLnBrk="1" latinLnBrk="0" hangingPunct="1">
+              <a:spcBef>
+                <a:spcPct val="20000"/>
+              </a:spcBef>
+              <a:buFont typeface="Arial"/>
+              <a:buNone/>
+              <a:defRPr sz="2400" kern="1200">
+                <a:solidFill>
+                  <a:schemeClr val="tx1">
+                    <a:tint val="75000"/>
+                  </a:schemeClr>
+                </a:solidFill>
+                <a:latin typeface="Arial"/>
+                <a:ea typeface="+mn-ea"/>
+                <a:cs typeface="Arial"/>
+              </a:defRPr>
+            </a:lvl1pPr>
+            <a:lvl2pPr marL="457200" indent="0" algn="ctr" defTabSz="457200" rtl="0" eaLnBrk="1" latinLnBrk="0" hangingPunct="1">
+              <a:spcBef>
+                <a:spcPct val="20000"/>
+              </a:spcBef>
+              <a:buFont typeface="Arial"/>
+              <a:buNone/>
+              <a:defRPr sz="2000" kern="1200">
+                <a:solidFill>
+                  <a:schemeClr val="tx1">
+                    <a:tint val="75000"/>
+                  </a:schemeClr>
+                </a:solidFill>
+                <a:latin typeface="Arial"/>
+                <a:ea typeface="+mn-ea"/>
+                <a:cs typeface="Arial"/>
+              </a:defRPr>
+            </a:lvl2pPr>
+            <a:lvl3pPr marL="914400" indent="0" algn="ctr" defTabSz="457200" rtl="0" eaLnBrk="1" latinLnBrk="0" hangingPunct="1">
+              <a:spcBef>
+                <a:spcPct val="20000"/>
+              </a:spcBef>
+              <a:buFont typeface="Arial"/>
+              <a:buNone/>
+              <a:defRPr sz="1800" kern="1200">
+                <a:solidFill>
+                  <a:schemeClr val="tx1">
+                    <a:tint val="75000"/>
+                  </a:schemeClr>
+                </a:solidFill>
+                <a:latin typeface="Arial"/>
+                <a:ea typeface="+mn-ea"/>
+                <a:cs typeface="Arial"/>
+              </a:defRPr>
+            </a:lvl3pPr>
+            <a:lvl4pPr marL="1371600" indent="0" algn="ctr" defTabSz="457200" rtl="0" eaLnBrk="1" latinLnBrk="0" hangingPunct="1">
+              <a:spcBef>
+                <a:spcPct val="20000"/>
+              </a:spcBef>
+              <a:buFont typeface="Arial"/>
+              <a:buNone/>
+              <a:defRPr sz="1600" kern="1200">
+                <a:solidFill>
+                  <a:schemeClr val="tx1">
+                    <a:tint val="75000"/>
+                  </a:schemeClr>
+                </a:solidFill>
+                <a:latin typeface="Arial"/>
+                <a:ea typeface="+mn-ea"/>
+                <a:cs typeface="Arial"/>
+              </a:defRPr>
+            </a:lvl4pPr>
+            <a:lvl5pPr marL="1828800" indent="0" algn="ctr" defTabSz="457200" rtl="0" eaLnBrk="1" latinLnBrk="0" hangingPunct="1">
+              <a:spcBef>
+                <a:spcPct val="20000"/>
+              </a:spcBef>
+              <a:buFont typeface="Arial"/>
+              <a:buNone/>
+              <a:defRPr sz="1400" kern="1200">
+                <a:solidFill>
+                  <a:schemeClr val="tx1">
+                    <a:tint val="75000"/>
+                  </a:schemeClr>
+                </a:solidFill>
+                <a:latin typeface="Arial"/>
+                <a:ea typeface="+mn-ea"/>
+                <a:cs typeface="Arial"/>
+              </a:defRPr>
+            </a:lvl5pPr>
+            <a:lvl6pPr marL="2286000" indent="0" algn="ctr" defTabSz="457200" rtl="0" eaLnBrk="1" latinLnBrk="0" hangingPunct="1">
+              <a:spcBef>
+                <a:spcPct val="20000"/>
+              </a:spcBef>
+              <a:buFont typeface="Arial"/>
+              <a:buNone/>
+              <a:defRPr sz="2000" kern="1200">
+                <a:solidFill>
+                  <a:schemeClr val="tx1">
+                    <a:tint val="75000"/>
+                  </a:schemeClr>
+                </a:solidFill>
+                <a:latin typeface="+mn-lt"/>
+                <a:ea typeface="+mn-ea"/>
+                <a:cs typeface="+mn-cs"/>
+              </a:defRPr>
+            </a:lvl6pPr>
+            <a:lvl7pPr marL="2743200" indent="0" algn="ctr" defTabSz="457200" rtl="0" eaLnBrk="1" latinLnBrk="0" hangingPunct="1">
+              <a:spcBef>
+                <a:spcPct val="20000"/>
+              </a:spcBef>
+              <a:buFont typeface="Arial"/>
+              <a:buNone/>
+              <a:defRPr sz="2000" kern="1200">
+                <a:solidFill>
+                  <a:schemeClr val="tx1">
+                    <a:tint val="75000"/>
+                  </a:schemeClr>
+                </a:solidFill>
+                <a:latin typeface="+mn-lt"/>
+                <a:ea typeface="+mn-ea"/>
+                <a:cs typeface="+mn-cs"/>
+              </a:defRPr>
+            </a:lvl7pPr>
+            <a:lvl8pPr marL="3200400" indent="0" algn="ctr" defTabSz="457200" rtl="0" eaLnBrk="1" latinLnBrk="0" hangingPunct="1">
+              <a:spcBef>
+                <a:spcPct val="20000"/>
+              </a:spcBef>
+              <a:buFont typeface="Arial"/>
+              <a:buNone/>
+              <a:defRPr sz="2000" kern="1200">
+                <a:solidFill>
+                  <a:schemeClr val="tx1">
+                    <a:tint val="75000"/>
+                  </a:schemeClr>
+                </a:solidFill>
+                <a:latin typeface="+mn-lt"/>
+                <a:ea typeface="+mn-ea"/>
+                <a:cs typeface="+mn-cs"/>
+              </a:defRPr>
+            </a:lvl8pPr>
+            <a:lvl9pPr marL="3657600" indent="0" algn="ctr" defTabSz="457200" rtl="0" eaLnBrk="1" latinLnBrk="0" hangingPunct="1">
+              <a:spcBef>
+                <a:spcPct val="20000"/>
+              </a:spcBef>
+              <a:buFont typeface="Arial"/>
+              <a:buNone/>
+              <a:defRPr sz="2000" kern="1200">
+                <a:solidFill>
+                  <a:schemeClr val="tx1">
+                    <a:tint val="75000"/>
+                  </a:schemeClr>
+                </a:solidFill>
+                <a:latin typeface="+mn-lt"/>
+                <a:ea typeface="+mn-ea"/>
+                <a:cs typeface="+mn-cs"/>
+              </a:defRPr>
+            </a:lvl9pPr>
+          </a:lstStyle>
+          <a:p>
+            <a:r>
+              <a:rPr lang="nb-NO" sz="1800"/>
+              <a:t>Iain Carmichael &amp; J. S. Marron</a:t>
+            </a:r>
+            <a:endParaRPr lang="nb-NO" sz="1800" dirty="0"/>
+          </a:p>
+        </p:txBody>
+      </p:sp>
+      <p:sp>
+        <p:nvSpPr>
+          <p:cNvPr id="10" name="Tittel 1">
+            <a:extLst>
+              <a:ext uri="{FF2B5EF4-FFF2-40B4-BE49-F238E27FC236}">
+                <a16:creationId xmlns:a16="http://schemas.microsoft.com/office/drawing/2014/main" id="{893A0FD7-4009-A741-A730-AB52F2BEBC6D}"/>
+              </a:ext>
+            </a:extLst>
+          </p:cNvPr>
+          <p:cNvSpPr txBox="1">
+            <a:spLocks/>
+          </p:cNvSpPr>
+          <p:nvPr/>
+        </p:nvSpPr>
+        <p:spPr>
+          <a:xfrm>
+            <a:off x="1267185" y="1100410"/>
+            <a:ext cx="7772400" cy="1754326"/>
+          </a:xfrm>
+          <a:prstGeom prst="rect">
+            <a:avLst/>
+          </a:prstGeom>
+        </p:spPr>
+        <p:txBody>
+          <a:bodyPr vert="horz" wrap="square" lIns="91440" tIns="45720" rIns="91440" bIns="45720" rtlCol="0" anchor="t" anchorCtr="0">
+            <a:spAutoFit/>
+          </a:bodyPr>
+          <a:lstStyle>
+            <a:lvl1pPr algn="l" defTabSz="457200" rtl="0" eaLnBrk="1" latinLnBrk="0" hangingPunct="1">
+              <a:spcBef>
+                <a:spcPct val="0"/>
+              </a:spcBef>
+              <a:buNone/>
+              <a:defRPr sz="3600" b="1" i="0" kern="1200">
+                <a:solidFill>
+                  <a:schemeClr val="tx1"/>
+                </a:solidFill>
+                <a:latin typeface="Arial"/>
+                <a:ea typeface="+mj-ea"/>
+                <a:cs typeface="Arial"/>
+              </a:defRPr>
+            </a:lvl1pPr>
+          </a:lstStyle>
+          <a:p>
+            <a:r>
+              <a:rPr lang="nb-NO" sz="2800"/>
+              <a:t>Data science vs. statistics: two cultures?</a:t>
+            </a:r>
+            <a:br>
+              <a:rPr lang="nb-NO" sz="4000"/>
+            </a:br>
+            <a:endParaRPr lang="nb-NO" sz="4000" dirty="0"/>
           </a:p>
         </p:txBody>
       </p:sp>

--- a/Article presentation.pptx
+++ b/Article presentation.pptx
@@ -7,6 +7,8 @@
   <p:sldIdLst>
     <p:sldId id="256" r:id="rId2"/>
     <p:sldId id="257" r:id="rId3"/>
+    <p:sldId id="258" r:id="rId4"/>
+    <p:sldId id="259" r:id="rId5"/>
   </p:sldIdLst>
   <p:sldSz cx="9144000" cy="5143500" type="screen16x9"/>
   <p:notesSz cx="6858000" cy="9144000"/>
@@ -2875,7 +2877,15 @@
           <a:bodyPr/>
           <a:lstStyle/>
           <a:p>
-            <a:endParaRPr lang="nb-NO"/>
+            <a:r>
+              <a:rPr lang="nb-NO" dirty="0"/>
+              <a:t>First </a:t>
+            </a:r>
+            <a:r>
+              <a:rPr lang="nb-NO" dirty="0" err="1"/>
+              <a:t>page</a:t>
+            </a:r>
+            <a:endParaRPr lang="nb-NO" dirty="0"/>
           </a:p>
         </p:txBody>
       </p:sp>
@@ -2908,6 +2918,176 @@
     <p:extLst>
       <p:ext uri="{BB962C8B-B14F-4D97-AF65-F5344CB8AC3E}">
         <p14:creationId xmlns:p14="http://schemas.microsoft.com/office/powerpoint/2010/main" val="2695274220"/>
+      </p:ext>
+    </p:extLst>
+  </p:cSld>
+  <p:clrMapOvr>
+    <a:masterClrMapping/>
+  </p:clrMapOvr>
+</p:sld>
+</file>
+
+<file path=ppt/slides/slide3.xml><?xml version="1.0" encoding="utf-8"?>
+<p:sld xmlns:a="http://schemas.openxmlformats.org/drawingml/2006/main" xmlns:r="http://schemas.openxmlformats.org/officeDocument/2006/relationships" xmlns:p="http://schemas.openxmlformats.org/presentationml/2006/main">
+  <p:cSld>
+    <p:spTree>
+      <p:nvGrpSpPr>
+        <p:cNvPr id="1" name=""/>
+        <p:cNvGrpSpPr/>
+        <p:nvPr/>
+      </p:nvGrpSpPr>
+      <p:grpSpPr>
+        <a:xfrm>
+          <a:off x="0" y="0"/>
+          <a:ext cx="0" cy="0"/>
+          <a:chOff x="0" y="0"/>
+          <a:chExt cx="0" cy="0"/>
+        </a:xfrm>
+      </p:grpSpPr>
+      <p:sp>
+        <p:nvSpPr>
+          <p:cNvPr id="2" name="Tittel 1">
+            <a:extLst>
+              <a:ext uri="{FF2B5EF4-FFF2-40B4-BE49-F238E27FC236}">
+                <a16:creationId xmlns:a16="http://schemas.microsoft.com/office/drawing/2014/main" id="{DC17307D-2648-8149-B8D0-4E32DA689AB4}"/>
+              </a:ext>
+            </a:extLst>
+          </p:cNvPr>
+          <p:cNvSpPr>
+            <a:spLocks noGrp="1"/>
+          </p:cNvSpPr>
+          <p:nvPr>
+            <p:ph type="title"/>
+          </p:nvPr>
+        </p:nvSpPr>
+        <p:spPr/>
+        <p:txBody>
+          <a:bodyPr/>
+          <a:lstStyle/>
+          <a:p>
+            <a:r>
+              <a:rPr lang="en-GB" dirty="0"/>
+              <a:t>Second page</a:t>
+            </a:r>
+          </a:p>
+        </p:txBody>
+      </p:sp>
+      <p:sp>
+        <p:nvSpPr>
+          <p:cNvPr id="3" name="Plassholder for innhold 2">
+            <a:extLst>
+              <a:ext uri="{FF2B5EF4-FFF2-40B4-BE49-F238E27FC236}">
+                <a16:creationId xmlns:a16="http://schemas.microsoft.com/office/drawing/2014/main" id="{BF8A3662-FEDF-E14F-A39B-82F32839113F}"/>
+              </a:ext>
+            </a:extLst>
+          </p:cNvPr>
+          <p:cNvSpPr>
+            <a:spLocks noGrp="1"/>
+          </p:cNvSpPr>
+          <p:nvPr>
+            <p:ph idx="1"/>
+          </p:nvPr>
+        </p:nvSpPr>
+        <p:spPr/>
+        <p:txBody>
+          <a:bodyPr/>
+          <a:lstStyle/>
+          <a:p>
+            <a:endParaRPr lang="en-GB"/>
+          </a:p>
+        </p:txBody>
+      </p:sp>
+    </p:spTree>
+    <p:extLst>
+      <p:ext uri="{BB962C8B-B14F-4D97-AF65-F5344CB8AC3E}">
+        <p14:creationId xmlns:p14="http://schemas.microsoft.com/office/powerpoint/2010/main" val="2772117894"/>
+      </p:ext>
+    </p:extLst>
+  </p:cSld>
+  <p:clrMapOvr>
+    <a:masterClrMapping/>
+  </p:clrMapOvr>
+</p:sld>
+</file>
+
+<file path=ppt/slides/slide4.xml><?xml version="1.0" encoding="utf-8"?>
+<p:sld xmlns:a="http://schemas.openxmlformats.org/drawingml/2006/main" xmlns:r="http://schemas.openxmlformats.org/officeDocument/2006/relationships" xmlns:p="http://schemas.openxmlformats.org/presentationml/2006/main">
+  <p:cSld>
+    <p:spTree>
+      <p:nvGrpSpPr>
+        <p:cNvPr id="1" name=""/>
+        <p:cNvGrpSpPr/>
+        <p:nvPr/>
+      </p:nvGrpSpPr>
+      <p:grpSpPr>
+        <a:xfrm>
+          <a:off x="0" y="0"/>
+          <a:ext cx="0" cy="0"/>
+          <a:chOff x="0" y="0"/>
+          <a:chExt cx="0" cy="0"/>
+        </a:xfrm>
+      </p:grpSpPr>
+      <p:sp>
+        <p:nvSpPr>
+          <p:cNvPr id="2" name="Tittel 1">
+            <a:extLst>
+              <a:ext uri="{FF2B5EF4-FFF2-40B4-BE49-F238E27FC236}">
+                <a16:creationId xmlns:a16="http://schemas.microsoft.com/office/drawing/2014/main" id="{C6C57CC3-33AC-3C42-9EDB-BB7F0B735524}"/>
+              </a:ext>
+            </a:extLst>
+          </p:cNvPr>
+          <p:cNvSpPr>
+            <a:spLocks noGrp="1"/>
+          </p:cNvSpPr>
+          <p:nvPr>
+            <p:ph type="title"/>
+          </p:nvPr>
+        </p:nvSpPr>
+        <p:spPr/>
+        <p:txBody>
+          <a:bodyPr/>
+          <a:lstStyle/>
+          <a:p>
+            <a:r>
+              <a:rPr lang="en-GB"/>
+              <a:t>and </a:t>
+            </a:r>
+            <a:r>
+              <a:rPr lang="en-GB" dirty="0"/>
+              <a:t>so on…</a:t>
+            </a:r>
+          </a:p>
+        </p:txBody>
+      </p:sp>
+      <p:sp>
+        <p:nvSpPr>
+          <p:cNvPr id="3" name="Plassholder for innhold 2">
+            <a:extLst>
+              <a:ext uri="{FF2B5EF4-FFF2-40B4-BE49-F238E27FC236}">
+                <a16:creationId xmlns:a16="http://schemas.microsoft.com/office/drawing/2014/main" id="{82162D15-FCDD-2143-9FD7-3F7D1AE37A65}"/>
+              </a:ext>
+            </a:extLst>
+          </p:cNvPr>
+          <p:cNvSpPr>
+            <a:spLocks noGrp="1"/>
+          </p:cNvSpPr>
+          <p:nvPr>
+            <p:ph idx="1"/>
+          </p:nvPr>
+        </p:nvSpPr>
+        <p:spPr/>
+        <p:txBody>
+          <a:bodyPr/>
+          <a:lstStyle/>
+          <a:p>
+            <a:endParaRPr lang="en-GB"/>
+          </a:p>
+        </p:txBody>
+      </p:sp>
+    </p:spTree>
+    <p:extLst>
+      <p:ext uri="{BB962C8B-B14F-4D97-AF65-F5344CB8AC3E}">
+        <p14:creationId xmlns:p14="http://schemas.microsoft.com/office/powerpoint/2010/main" val="658395917"/>
       </p:ext>
     </p:extLst>
   </p:cSld>

--- a/Article presentation.pptx
+++ b/Article presentation.pptx
@@ -9,6 +9,8 @@
     <p:sldId id="257" r:id="rId3"/>
     <p:sldId id="258" r:id="rId4"/>
     <p:sldId id="259" r:id="rId5"/>
+    <p:sldId id="260" r:id="rId6"/>
+    <p:sldId id="261" r:id="rId7"/>
   </p:sldIdLst>
   <p:sldSz cx="9144000" cy="5143500" type="screen16x9"/>
   <p:notesSz cx="6858000" cy="9144000"/>
@@ -2879,11 +2881,35 @@
           <a:p>
             <a:r>
               <a:rPr lang="nb-NO" dirty="0"/>
-              <a:t>First </a:t>
+              <a:t>The </a:t>
             </a:r>
             <a:r>
               <a:rPr lang="nb-NO" dirty="0" err="1"/>
-              <a:t>page</a:t>
+              <a:t>two</a:t>
+            </a:r>
+            <a:r>
+              <a:rPr lang="nb-NO" dirty="0"/>
+              <a:t> </a:t>
+            </a:r>
+            <a:r>
+              <a:rPr lang="nb-NO" dirty="0" err="1"/>
+              <a:t>views</a:t>
+            </a:r>
+            <a:r>
+              <a:rPr lang="nb-NO" dirty="0"/>
+              <a:t> </a:t>
+            </a:r>
+            <a:r>
+              <a:rPr lang="nb-NO" dirty="0" err="1"/>
+              <a:t>of</a:t>
+            </a:r>
+            <a:r>
+              <a:rPr lang="nb-NO" dirty="0"/>
+              <a:t> </a:t>
+            </a:r>
+            <a:r>
+              <a:rPr lang="nb-NO" dirty="0" err="1"/>
+              <a:t>statistics</a:t>
             </a:r>
             <a:endParaRPr lang="nb-NO" dirty="0"/>
           </a:p>
@@ -2910,7 +2936,7 @@
           <a:bodyPr/>
           <a:lstStyle/>
           <a:p>
-            <a:endParaRPr lang="nb-NO"/>
+            <a:endParaRPr lang="nb-NO" dirty="0"/>
           </a:p>
         </p:txBody>
       </p:sp>
@@ -3043,19 +3069,17 @@
             <p:ph type="title"/>
           </p:nvPr>
         </p:nvSpPr>
-        <p:spPr/>
+        <p:spPr>
+          <a:xfrm>
+            <a:off x="982193" y="205979"/>
+            <a:ext cx="7681516" cy="646331"/>
+          </a:xfrm>
+        </p:spPr>
         <p:txBody>
           <a:bodyPr/>
           <a:lstStyle/>
           <a:p>
-            <a:r>
-              <a:rPr lang="en-GB"/>
-              <a:t>and </a:t>
-            </a:r>
-            <a:r>
-              <a:rPr lang="en-GB" dirty="0"/>
-              <a:t>so on…</a:t>
-            </a:r>
+            <a:endParaRPr lang="en-GB" dirty="0"/>
           </a:p>
         </p:txBody>
       </p:sp>
@@ -3080,7 +3104,10 @@
           <a:bodyPr/>
           <a:lstStyle/>
           <a:p>
-            <a:endParaRPr lang="en-GB"/>
+            <a:r>
+              <a:rPr lang="en-GB" dirty="0"/>
+              <a:t>“The fact that data science exists as a field is a colossal failure of statistics”-</a:t>
+            </a:r>
           </a:p>
         </p:txBody>
       </p:sp>
@@ -3088,6 +3115,185 @@
     <p:extLst>
       <p:ext uri="{BB962C8B-B14F-4D97-AF65-F5344CB8AC3E}">
         <p14:creationId xmlns:p14="http://schemas.microsoft.com/office/powerpoint/2010/main" val="658395917"/>
+      </p:ext>
+    </p:extLst>
+  </p:cSld>
+  <p:clrMapOvr>
+    <a:masterClrMapping/>
+  </p:clrMapOvr>
+</p:sld>
+</file>
+
+<file path=ppt/slides/slide5.xml><?xml version="1.0" encoding="utf-8"?>
+<p:sld xmlns:a="http://schemas.openxmlformats.org/drawingml/2006/main" xmlns:r="http://schemas.openxmlformats.org/officeDocument/2006/relationships" xmlns:p="http://schemas.openxmlformats.org/presentationml/2006/main">
+  <p:cSld>
+    <p:spTree>
+      <p:nvGrpSpPr>
+        <p:cNvPr id="1" name=""/>
+        <p:cNvGrpSpPr/>
+        <p:nvPr/>
+      </p:nvGrpSpPr>
+      <p:grpSpPr>
+        <a:xfrm>
+          <a:off x="0" y="0"/>
+          <a:ext cx="0" cy="0"/>
+          <a:chOff x="0" y="0"/>
+          <a:chExt cx="0" cy="0"/>
+        </a:xfrm>
+      </p:grpSpPr>
+      <p:sp>
+        <p:nvSpPr>
+          <p:cNvPr id="2" name="Tittel 1">
+            <a:extLst>
+              <a:ext uri="{FF2B5EF4-FFF2-40B4-BE49-F238E27FC236}">
+                <a16:creationId xmlns:a16="http://schemas.microsoft.com/office/drawing/2014/main" id="{5F1F9F51-2CE7-6F43-B3E9-4A39DB105408}"/>
+              </a:ext>
+            </a:extLst>
+          </p:cNvPr>
+          <p:cNvSpPr>
+            <a:spLocks noGrp="1"/>
+          </p:cNvSpPr>
+          <p:nvPr>
+            <p:ph type="title"/>
+          </p:nvPr>
+        </p:nvSpPr>
+        <p:spPr/>
+        <p:txBody>
+          <a:bodyPr/>
+          <a:lstStyle/>
+          <a:p>
+            <a:r>
+              <a:rPr lang="en-GB" dirty="0"/>
+              <a:t>Prosperous </a:t>
+            </a:r>
+          </a:p>
+        </p:txBody>
+      </p:sp>
+      <p:sp>
+        <p:nvSpPr>
+          <p:cNvPr id="3" name="Plassholder for innhold 2">
+            <a:extLst>
+              <a:ext uri="{FF2B5EF4-FFF2-40B4-BE49-F238E27FC236}">
+                <a16:creationId xmlns:a16="http://schemas.microsoft.com/office/drawing/2014/main" id="{95FF7198-7D06-1742-A58D-26933C530D03}"/>
+              </a:ext>
+            </a:extLst>
+          </p:cNvPr>
+          <p:cNvSpPr>
+            <a:spLocks noGrp="1"/>
+          </p:cNvSpPr>
+          <p:nvPr>
+            <p:ph idx="1"/>
+          </p:nvPr>
+        </p:nvSpPr>
+        <p:spPr>
+          <a:xfrm>
+            <a:off x="982193" y="1178719"/>
+            <a:ext cx="7681516" cy="3637216"/>
+          </a:xfrm>
+        </p:spPr>
+        <p:txBody>
+          <a:bodyPr/>
+          <a:lstStyle/>
+          <a:p>
+            <a:endParaRPr lang="en-GB" dirty="0"/>
+          </a:p>
+        </p:txBody>
+      </p:sp>
+    </p:spTree>
+    <p:extLst>
+      <p:ext uri="{BB962C8B-B14F-4D97-AF65-F5344CB8AC3E}">
+        <p14:creationId xmlns:p14="http://schemas.microsoft.com/office/powerpoint/2010/main" val="37620304"/>
+      </p:ext>
+    </p:extLst>
+  </p:cSld>
+  <p:clrMapOvr>
+    <a:masterClrMapping/>
+  </p:clrMapOvr>
+</p:sld>
+</file>
+
+<file path=ppt/slides/slide6.xml><?xml version="1.0" encoding="utf-8"?>
+<p:sld xmlns:a="http://schemas.openxmlformats.org/drawingml/2006/main" xmlns:r="http://schemas.openxmlformats.org/officeDocument/2006/relationships" xmlns:p="http://schemas.openxmlformats.org/presentationml/2006/main">
+  <p:cSld>
+    <p:spTree>
+      <p:nvGrpSpPr>
+        <p:cNvPr id="1" name=""/>
+        <p:cNvGrpSpPr/>
+        <p:nvPr/>
+      </p:nvGrpSpPr>
+      <p:grpSpPr>
+        <a:xfrm>
+          <a:off x="0" y="0"/>
+          <a:ext cx="0" cy="0"/>
+          <a:chOff x="0" y="0"/>
+          <a:chExt cx="0" cy="0"/>
+        </a:xfrm>
+      </p:grpSpPr>
+      <p:sp>
+        <p:nvSpPr>
+          <p:cNvPr id="2" name="Tittel 1">
+            <a:extLst>
+              <a:ext uri="{FF2B5EF4-FFF2-40B4-BE49-F238E27FC236}">
+                <a16:creationId xmlns:a16="http://schemas.microsoft.com/office/drawing/2014/main" id="{3B59C0AD-3D7D-D84D-9D1C-FA28CB8F4059}"/>
+              </a:ext>
+            </a:extLst>
+          </p:cNvPr>
+          <p:cNvSpPr>
+            <a:spLocks noGrp="1"/>
+          </p:cNvSpPr>
+          <p:nvPr>
+            <p:ph type="title"/>
+          </p:nvPr>
+        </p:nvSpPr>
+        <p:spPr/>
+        <p:txBody>
+          <a:bodyPr/>
+          <a:lstStyle/>
+          <a:p>
+            <a:r>
+              <a:rPr lang="en-GB" dirty="0"/>
+              <a:t>For the educators</a:t>
+            </a:r>
+          </a:p>
+        </p:txBody>
+      </p:sp>
+      <p:sp>
+        <p:nvSpPr>
+          <p:cNvPr id="3" name="Plassholder for innhold 2">
+            <a:extLst>
+              <a:ext uri="{FF2B5EF4-FFF2-40B4-BE49-F238E27FC236}">
+                <a16:creationId xmlns:a16="http://schemas.microsoft.com/office/drawing/2014/main" id="{6F3C9FC7-4431-1342-801F-C4E50CF757D3}"/>
+              </a:ext>
+            </a:extLst>
+          </p:cNvPr>
+          <p:cNvSpPr>
+            <a:spLocks noGrp="1"/>
+          </p:cNvSpPr>
+          <p:nvPr>
+            <p:ph idx="1"/>
+          </p:nvPr>
+        </p:nvSpPr>
+        <p:spPr>
+          <a:xfrm>
+            <a:off x="982193" y="1350169"/>
+            <a:ext cx="7681516" cy="3465766"/>
+          </a:xfrm>
+        </p:spPr>
+        <p:txBody>
+          <a:bodyPr/>
+          <a:lstStyle/>
+          <a:p>
+            <a:r>
+              <a:rPr lang="en-GB" dirty="0"/>
+              <a:t>The future of education in statistics</a:t>
+            </a:r>
+          </a:p>
+        </p:txBody>
+      </p:sp>
+    </p:spTree>
+    <p:extLst>
+      <p:ext uri="{BB962C8B-B14F-4D97-AF65-F5344CB8AC3E}">
+        <p14:creationId xmlns:p14="http://schemas.microsoft.com/office/powerpoint/2010/main" val="3323575912"/>
       </p:ext>
     </p:extLst>
   </p:cSld>

--- a/Article presentation.pptx
+++ b/Article presentation.pptx
@@ -4,13 +4,20 @@
   <p:sldMasterIdLst>
     <p:sldMasterId id="2147483648" r:id="rId1"/>
   </p:sldMasterIdLst>
+  <p:notesMasterIdLst>
+    <p:notesMasterId r:id="rId12"/>
+  </p:notesMasterIdLst>
   <p:sldIdLst>
     <p:sldId id="256" r:id="rId2"/>
     <p:sldId id="257" r:id="rId3"/>
     <p:sldId id="258" r:id="rId4"/>
-    <p:sldId id="259" r:id="rId5"/>
-    <p:sldId id="260" r:id="rId6"/>
-    <p:sldId id="261" r:id="rId7"/>
+    <p:sldId id="262" r:id="rId5"/>
+    <p:sldId id="263" r:id="rId6"/>
+    <p:sldId id="259" r:id="rId7"/>
+    <p:sldId id="260" r:id="rId8"/>
+    <p:sldId id="265" r:id="rId9"/>
+    <p:sldId id="261" r:id="rId10"/>
+    <p:sldId id="264" r:id="rId11"/>
   </p:sldIdLst>
   <p:sldSz cx="9144000" cy="5143500" type="screen16x9"/>
   <p:notesSz cx="6858000" cy="9144000"/>
@@ -126,6 +133,469 @@
     </p:ext>
   </p:extLst>
 </p:presentation>
+</file>
+
+<file path=ppt/commentAuthors.xml><?xml version="1.0" encoding="utf-8"?>
+<p:cmAuthorLst xmlns:a="http://schemas.openxmlformats.org/drawingml/2006/main" xmlns:r="http://schemas.openxmlformats.org/officeDocument/2006/relationships" xmlns:p="http://schemas.openxmlformats.org/presentationml/2006/main">
+  <p:cmAuthor id="1" name="Tinius Petter Mellbye" initials="TPM" lastIdx="1" clrIdx="0">
+    <p:extLst>
+      <p:ext uri="{19B8F6BF-5375-455C-9EA6-DF929625EA0E}">
+        <p15:presenceInfo xmlns:p15="http://schemas.microsoft.com/office/powerpoint/2012/main" userId="S::tiniuspm@ntnu.no::900ec4ec-f546-4e30-b5ab-98e6f4caab9a" providerId="AD"/>
+      </p:ext>
+    </p:extLst>
+  </p:cmAuthor>
+</p:cmAuthorLst>
+</file>
+
+<file path=ppt/comments/comment1.xml><?xml version="1.0" encoding="utf-8"?>
+<p:cmLst xmlns:a="http://schemas.openxmlformats.org/drawingml/2006/main" xmlns:r="http://schemas.openxmlformats.org/officeDocument/2006/relationships" xmlns:p="http://schemas.openxmlformats.org/presentationml/2006/main">
+  <p:cm authorId="1" dt="2021-02-24T12:54:21.780" idx="1">
+    <p:pos x="2839" y="769"/>
+    <p:text>Change this</p:text>
+    <p:extLst>
+      <p:ext uri="{C676402C-5697-4E1C-873F-D02D1690AC5C}">
+        <p15:threadingInfo xmlns:p15="http://schemas.microsoft.com/office/powerpoint/2012/main" timeZoneBias="-60"/>
+      </p:ext>
+    </p:extLst>
+  </p:cm>
+</p:cmLst>
+</file>
+
+<file path=ppt/notesMasters/notesMaster1.xml><?xml version="1.0" encoding="utf-8"?>
+<p:notesMaster xmlns:a="http://schemas.openxmlformats.org/drawingml/2006/main" xmlns:r="http://schemas.openxmlformats.org/officeDocument/2006/relationships" xmlns:p="http://schemas.openxmlformats.org/presentationml/2006/main">
+  <p:cSld>
+    <p:bg>
+      <p:bgRef idx="1001">
+        <a:schemeClr val="bg1"/>
+      </p:bgRef>
+    </p:bg>
+    <p:spTree>
+      <p:nvGrpSpPr>
+        <p:cNvPr id="1" name=""/>
+        <p:cNvGrpSpPr/>
+        <p:nvPr/>
+      </p:nvGrpSpPr>
+      <p:grpSpPr>
+        <a:xfrm>
+          <a:off x="0" y="0"/>
+          <a:ext cx="0" cy="0"/>
+          <a:chOff x="0" y="0"/>
+          <a:chExt cx="0" cy="0"/>
+        </a:xfrm>
+      </p:grpSpPr>
+      <p:sp>
+        <p:nvSpPr>
+          <p:cNvPr id="2" name="Plassholder for topptekst 1"/>
+          <p:cNvSpPr>
+            <a:spLocks noGrp="1"/>
+          </p:cNvSpPr>
+          <p:nvPr>
+            <p:ph type="hdr" sz="quarter"/>
+          </p:nvPr>
+        </p:nvSpPr>
+        <p:spPr>
+          <a:xfrm>
+            <a:off x="0" y="0"/>
+            <a:ext cx="2971800" cy="458788"/>
+          </a:xfrm>
+          <a:prstGeom prst="rect">
+            <a:avLst/>
+          </a:prstGeom>
+        </p:spPr>
+        <p:txBody>
+          <a:bodyPr vert="horz" lIns="91440" tIns="45720" rIns="91440" bIns="45720" rtlCol="0"/>
+          <a:lstStyle>
+            <a:lvl1pPr algn="l">
+              <a:defRPr sz="1200"/>
+            </a:lvl1pPr>
+          </a:lstStyle>
+          <a:p>
+            <a:endParaRPr lang="en-GB"/>
+          </a:p>
+        </p:txBody>
+      </p:sp>
+      <p:sp>
+        <p:nvSpPr>
+          <p:cNvPr id="3" name="Plassholder for dato 2"/>
+          <p:cNvSpPr>
+            <a:spLocks noGrp="1"/>
+          </p:cNvSpPr>
+          <p:nvPr>
+            <p:ph type="dt" idx="1"/>
+          </p:nvPr>
+        </p:nvSpPr>
+        <p:spPr>
+          <a:xfrm>
+            <a:off x="3884613" y="0"/>
+            <a:ext cx="2971800" cy="458788"/>
+          </a:xfrm>
+          <a:prstGeom prst="rect">
+            <a:avLst/>
+          </a:prstGeom>
+        </p:spPr>
+        <p:txBody>
+          <a:bodyPr vert="horz" lIns="91440" tIns="45720" rIns="91440" bIns="45720" rtlCol="0"/>
+          <a:lstStyle>
+            <a:lvl1pPr algn="r">
+              <a:defRPr sz="1200"/>
+            </a:lvl1pPr>
+          </a:lstStyle>
+          <a:p>
+            <a:fld id="{A03D1B3E-2479-1A42-AFB4-0C2D14A3A7BC}" type="datetimeFigureOut">
+              <a:rPr lang="en-GB" smtClean="0"/>
+              <a:t>24/02/2021</a:t>
+            </a:fld>
+            <a:endParaRPr lang="en-GB"/>
+          </a:p>
+        </p:txBody>
+      </p:sp>
+      <p:sp>
+        <p:nvSpPr>
+          <p:cNvPr id="4" name="Plassholder for lysbilde 3"/>
+          <p:cNvSpPr>
+            <a:spLocks noGrp="1" noRot="1" noChangeAspect="1"/>
+          </p:cNvSpPr>
+          <p:nvPr>
+            <p:ph type="sldImg" idx="2"/>
+          </p:nvPr>
+        </p:nvSpPr>
+        <p:spPr>
+          <a:xfrm>
+            <a:off x="685800" y="1143000"/>
+            <a:ext cx="5486400" cy="3086100"/>
+          </a:xfrm>
+          <a:prstGeom prst="rect">
+            <a:avLst/>
+          </a:prstGeom>
+          <a:noFill/>
+          <a:ln w="12700">
+            <a:solidFill>
+              <a:prstClr val="black"/>
+            </a:solidFill>
+          </a:ln>
+        </p:spPr>
+        <p:txBody>
+          <a:bodyPr vert="horz" lIns="91440" tIns="45720" rIns="91440" bIns="45720" rtlCol="0" anchor="ctr"/>
+          <a:lstStyle/>
+          <a:p>
+            <a:endParaRPr lang="en-GB"/>
+          </a:p>
+        </p:txBody>
+      </p:sp>
+      <p:sp>
+        <p:nvSpPr>
+          <p:cNvPr id="5" name="Plassholder for notater 4"/>
+          <p:cNvSpPr>
+            <a:spLocks noGrp="1"/>
+          </p:cNvSpPr>
+          <p:nvPr>
+            <p:ph type="body" sz="quarter" idx="3"/>
+          </p:nvPr>
+        </p:nvSpPr>
+        <p:spPr>
+          <a:xfrm>
+            <a:off x="685800" y="4400550"/>
+            <a:ext cx="5486400" cy="3600450"/>
+          </a:xfrm>
+          <a:prstGeom prst="rect">
+            <a:avLst/>
+          </a:prstGeom>
+        </p:spPr>
+        <p:txBody>
+          <a:bodyPr vert="horz" lIns="91440" tIns="45720" rIns="91440" bIns="45720" rtlCol="0"/>
+          <a:lstStyle/>
+          <a:p>
+            <a:pPr lvl="0"/>
+            <a:r>
+              <a:rPr lang="nb-NO"/>
+              <a:t>Klikk for å redigere tekststiler i malen</a:t>
+            </a:r>
+          </a:p>
+          <a:p>
+            <a:pPr lvl="1"/>
+            <a:r>
+              <a:rPr lang="nb-NO"/>
+              <a:t>Andre nivå</a:t>
+            </a:r>
+          </a:p>
+          <a:p>
+            <a:pPr lvl="2"/>
+            <a:r>
+              <a:rPr lang="nb-NO"/>
+              <a:t>Tredje nivå</a:t>
+            </a:r>
+          </a:p>
+          <a:p>
+            <a:pPr lvl="3"/>
+            <a:r>
+              <a:rPr lang="nb-NO"/>
+              <a:t>Fjerde nivå</a:t>
+            </a:r>
+          </a:p>
+          <a:p>
+            <a:pPr lvl="4"/>
+            <a:r>
+              <a:rPr lang="nb-NO"/>
+              <a:t>Femte nivå</a:t>
+            </a:r>
+            <a:endParaRPr lang="en-GB"/>
+          </a:p>
+        </p:txBody>
+      </p:sp>
+      <p:sp>
+        <p:nvSpPr>
+          <p:cNvPr id="6" name="Plassholder for bunntekst 5"/>
+          <p:cNvSpPr>
+            <a:spLocks noGrp="1"/>
+          </p:cNvSpPr>
+          <p:nvPr>
+            <p:ph type="ftr" sz="quarter" idx="4"/>
+          </p:nvPr>
+        </p:nvSpPr>
+        <p:spPr>
+          <a:xfrm>
+            <a:off x="0" y="8685213"/>
+            <a:ext cx="2971800" cy="458787"/>
+          </a:xfrm>
+          <a:prstGeom prst="rect">
+            <a:avLst/>
+          </a:prstGeom>
+        </p:spPr>
+        <p:txBody>
+          <a:bodyPr vert="horz" lIns="91440" tIns="45720" rIns="91440" bIns="45720" rtlCol="0" anchor="b"/>
+          <a:lstStyle>
+            <a:lvl1pPr algn="l">
+              <a:defRPr sz="1200"/>
+            </a:lvl1pPr>
+          </a:lstStyle>
+          <a:p>
+            <a:endParaRPr lang="en-GB"/>
+          </a:p>
+        </p:txBody>
+      </p:sp>
+      <p:sp>
+        <p:nvSpPr>
+          <p:cNvPr id="7" name="Plassholder for lysbildenummer 6"/>
+          <p:cNvSpPr>
+            <a:spLocks noGrp="1"/>
+          </p:cNvSpPr>
+          <p:nvPr>
+            <p:ph type="sldNum" sz="quarter" idx="5"/>
+          </p:nvPr>
+        </p:nvSpPr>
+        <p:spPr>
+          <a:xfrm>
+            <a:off x="3884613" y="8685213"/>
+            <a:ext cx="2971800" cy="458787"/>
+          </a:xfrm>
+          <a:prstGeom prst="rect">
+            <a:avLst/>
+          </a:prstGeom>
+        </p:spPr>
+        <p:txBody>
+          <a:bodyPr vert="horz" lIns="91440" tIns="45720" rIns="91440" bIns="45720" rtlCol="0" anchor="b"/>
+          <a:lstStyle>
+            <a:lvl1pPr algn="r">
+              <a:defRPr sz="1200"/>
+            </a:lvl1pPr>
+          </a:lstStyle>
+          <a:p>
+            <a:fld id="{A9B8CA07-BE1F-274E-8706-171B5A7EC955}" type="slidenum">
+              <a:rPr lang="en-GB" smtClean="0"/>
+              <a:t>‹#›</a:t>
+            </a:fld>
+            <a:endParaRPr lang="en-GB"/>
+          </a:p>
+        </p:txBody>
+      </p:sp>
+    </p:spTree>
+    <p:extLst>
+      <p:ext uri="{BB962C8B-B14F-4D97-AF65-F5344CB8AC3E}">
+        <p14:creationId xmlns:p14="http://schemas.microsoft.com/office/powerpoint/2010/main" val="2740302337"/>
+      </p:ext>
+    </p:extLst>
+  </p:cSld>
+  <p:clrMap bg1="lt1" tx1="dk1" bg2="lt2" tx2="dk2" accent1="accent1" accent2="accent2" accent3="accent3" accent4="accent4" accent5="accent5" accent6="accent6" hlink="hlink" folHlink="folHlink"/>
+  <p:notesStyle>
+    <a:lvl1pPr marL="0" algn="l" defTabSz="914400" rtl="0" eaLnBrk="1" latinLnBrk="0" hangingPunct="1">
+      <a:defRPr sz="1200" kern="1200">
+        <a:solidFill>
+          <a:schemeClr val="tx1"/>
+        </a:solidFill>
+        <a:latin typeface="+mn-lt"/>
+        <a:ea typeface="+mn-ea"/>
+        <a:cs typeface="+mn-cs"/>
+      </a:defRPr>
+    </a:lvl1pPr>
+    <a:lvl2pPr marL="457200" algn="l" defTabSz="914400" rtl="0" eaLnBrk="1" latinLnBrk="0" hangingPunct="1">
+      <a:defRPr sz="1200" kern="1200">
+        <a:solidFill>
+          <a:schemeClr val="tx1"/>
+        </a:solidFill>
+        <a:latin typeface="+mn-lt"/>
+        <a:ea typeface="+mn-ea"/>
+        <a:cs typeface="+mn-cs"/>
+      </a:defRPr>
+    </a:lvl2pPr>
+    <a:lvl3pPr marL="914400" algn="l" defTabSz="914400" rtl="0" eaLnBrk="1" latinLnBrk="0" hangingPunct="1">
+      <a:defRPr sz="1200" kern="1200">
+        <a:solidFill>
+          <a:schemeClr val="tx1"/>
+        </a:solidFill>
+        <a:latin typeface="+mn-lt"/>
+        <a:ea typeface="+mn-ea"/>
+        <a:cs typeface="+mn-cs"/>
+      </a:defRPr>
+    </a:lvl3pPr>
+    <a:lvl4pPr marL="1371600" algn="l" defTabSz="914400" rtl="0" eaLnBrk="1" latinLnBrk="0" hangingPunct="1">
+      <a:defRPr sz="1200" kern="1200">
+        <a:solidFill>
+          <a:schemeClr val="tx1"/>
+        </a:solidFill>
+        <a:latin typeface="+mn-lt"/>
+        <a:ea typeface="+mn-ea"/>
+        <a:cs typeface="+mn-cs"/>
+      </a:defRPr>
+    </a:lvl4pPr>
+    <a:lvl5pPr marL="1828800" algn="l" defTabSz="914400" rtl="0" eaLnBrk="1" latinLnBrk="0" hangingPunct="1">
+      <a:defRPr sz="1200" kern="1200">
+        <a:solidFill>
+          <a:schemeClr val="tx1"/>
+        </a:solidFill>
+        <a:latin typeface="+mn-lt"/>
+        <a:ea typeface="+mn-ea"/>
+        <a:cs typeface="+mn-cs"/>
+      </a:defRPr>
+    </a:lvl5pPr>
+    <a:lvl6pPr marL="2286000" algn="l" defTabSz="914400" rtl="0" eaLnBrk="1" latinLnBrk="0" hangingPunct="1">
+      <a:defRPr sz="1200" kern="1200">
+        <a:solidFill>
+          <a:schemeClr val="tx1"/>
+        </a:solidFill>
+        <a:latin typeface="+mn-lt"/>
+        <a:ea typeface="+mn-ea"/>
+        <a:cs typeface="+mn-cs"/>
+      </a:defRPr>
+    </a:lvl6pPr>
+    <a:lvl7pPr marL="2743200" algn="l" defTabSz="914400" rtl="0" eaLnBrk="1" latinLnBrk="0" hangingPunct="1">
+      <a:defRPr sz="1200" kern="1200">
+        <a:solidFill>
+          <a:schemeClr val="tx1"/>
+        </a:solidFill>
+        <a:latin typeface="+mn-lt"/>
+        <a:ea typeface="+mn-ea"/>
+        <a:cs typeface="+mn-cs"/>
+      </a:defRPr>
+    </a:lvl7pPr>
+    <a:lvl8pPr marL="3200400" algn="l" defTabSz="914400" rtl="0" eaLnBrk="1" latinLnBrk="0" hangingPunct="1">
+      <a:defRPr sz="1200" kern="1200">
+        <a:solidFill>
+          <a:schemeClr val="tx1"/>
+        </a:solidFill>
+        <a:latin typeface="+mn-lt"/>
+        <a:ea typeface="+mn-ea"/>
+        <a:cs typeface="+mn-cs"/>
+      </a:defRPr>
+    </a:lvl8pPr>
+    <a:lvl9pPr marL="3657600" algn="l" defTabSz="914400" rtl="0" eaLnBrk="1" latinLnBrk="0" hangingPunct="1">
+      <a:defRPr sz="1200" kern="1200">
+        <a:solidFill>
+          <a:schemeClr val="tx1"/>
+        </a:solidFill>
+        <a:latin typeface="+mn-lt"/>
+        <a:ea typeface="+mn-ea"/>
+        <a:cs typeface="+mn-cs"/>
+      </a:defRPr>
+    </a:lvl9pPr>
+  </p:notesStyle>
+</p:notesMaster>
+</file>
+
+<file path=ppt/notesSlides/notesSlide1.xml><?xml version="1.0" encoding="utf-8"?>
+<p:notes xmlns:a="http://schemas.openxmlformats.org/drawingml/2006/main" xmlns:r="http://schemas.openxmlformats.org/officeDocument/2006/relationships" xmlns:p="http://schemas.openxmlformats.org/presentationml/2006/main">
+  <p:cSld>
+    <p:spTree>
+      <p:nvGrpSpPr>
+        <p:cNvPr id="1" name=""/>
+        <p:cNvGrpSpPr/>
+        <p:nvPr/>
+      </p:nvGrpSpPr>
+      <p:grpSpPr>
+        <a:xfrm>
+          <a:off x="0" y="0"/>
+          <a:ext cx="0" cy="0"/>
+          <a:chOff x="0" y="0"/>
+          <a:chExt cx="0" cy="0"/>
+        </a:xfrm>
+      </p:grpSpPr>
+      <p:sp>
+        <p:nvSpPr>
+          <p:cNvPr id="2" name="Plassholder for lysbilde 1"/>
+          <p:cNvSpPr>
+            <a:spLocks noGrp="1" noRot="1" noChangeAspect="1"/>
+          </p:cNvSpPr>
+          <p:nvPr>
+            <p:ph type="sldImg"/>
+          </p:nvPr>
+        </p:nvSpPr>
+        <p:spPr/>
+      </p:sp>
+      <p:sp>
+        <p:nvSpPr>
+          <p:cNvPr id="3" name="Plassholder for notater 2"/>
+          <p:cNvSpPr>
+            <a:spLocks noGrp="1"/>
+          </p:cNvSpPr>
+          <p:nvPr>
+            <p:ph type="body" idx="1"/>
+          </p:nvPr>
+        </p:nvSpPr>
+        <p:spPr/>
+        <p:txBody>
+          <a:bodyPr/>
+          <a:lstStyle/>
+          <a:p>
+            <a:r>
+              <a:rPr lang="en-GB" dirty="0"/>
+              <a:t>This class illustrates a desire to be relevant and applied, proven from the Python/ R ratio in the projects.</a:t>
+            </a:r>
+          </a:p>
+        </p:txBody>
+      </p:sp>
+      <p:sp>
+        <p:nvSpPr>
+          <p:cNvPr id="4" name="Plassholder for lysbildenummer 3"/>
+          <p:cNvSpPr>
+            <a:spLocks noGrp="1"/>
+          </p:cNvSpPr>
+          <p:nvPr>
+            <p:ph type="sldNum" sz="quarter" idx="5"/>
+          </p:nvPr>
+        </p:nvSpPr>
+        <p:spPr/>
+        <p:txBody>
+          <a:bodyPr/>
+          <a:lstStyle/>
+          <a:p>
+            <a:fld id="{A9B8CA07-BE1F-274E-8706-171B5A7EC955}" type="slidenum">
+              <a:rPr lang="en-GB" smtClean="0"/>
+              <a:t>8</a:t>
+            </a:fld>
+            <a:endParaRPr lang="en-GB"/>
+          </a:p>
+        </p:txBody>
+      </p:sp>
+    </p:spTree>
+    <p:extLst>
+      <p:ext uri="{BB962C8B-B14F-4D97-AF65-F5344CB8AC3E}">
+        <p14:creationId xmlns:p14="http://schemas.microsoft.com/office/powerpoint/2010/main" val="943878717"/>
+      </p:ext>
+    </p:extLst>
+  </p:cSld>
+  <p:clrMapOvr>
+    <a:masterClrMapping/>
+  </p:clrMapOvr>
+</p:notes>
 </file>
 
 <file path=ppt/slideLayouts/slideLayout1.xml><?xml version="1.0" encoding="utf-8"?>
@@ -2841,6 +3311,89 @@
 </p:sld>
 </file>
 
+<file path=ppt/slides/slide10.xml><?xml version="1.0" encoding="utf-8"?>
+<p:sld xmlns:a="http://schemas.openxmlformats.org/drawingml/2006/main" xmlns:r="http://schemas.openxmlformats.org/officeDocument/2006/relationships" xmlns:p="http://schemas.openxmlformats.org/presentationml/2006/main">
+  <p:cSld>
+    <p:spTree>
+      <p:nvGrpSpPr>
+        <p:cNvPr id="1" name=""/>
+        <p:cNvGrpSpPr/>
+        <p:nvPr/>
+      </p:nvGrpSpPr>
+      <p:grpSpPr>
+        <a:xfrm>
+          <a:off x="0" y="0"/>
+          <a:ext cx="0" cy="0"/>
+          <a:chOff x="0" y="0"/>
+          <a:chExt cx="0" cy="0"/>
+        </a:xfrm>
+      </p:grpSpPr>
+      <p:sp>
+        <p:nvSpPr>
+          <p:cNvPr id="2" name="Tittel 1">
+            <a:extLst>
+              <a:ext uri="{FF2B5EF4-FFF2-40B4-BE49-F238E27FC236}">
+                <a16:creationId xmlns:a16="http://schemas.microsoft.com/office/drawing/2014/main" id="{F3FD2761-8C0A-8A46-955A-778A8CBD0BB4}"/>
+              </a:ext>
+            </a:extLst>
+          </p:cNvPr>
+          <p:cNvSpPr>
+            <a:spLocks noGrp="1"/>
+          </p:cNvSpPr>
+          <p:nvPr>
+            <p:ph type="title"/>
+          </p:nvPr>
+        </p:nvSpPr>
+        <p:spPr/>
+        <p:txBody>
+          <a:bodyPr/>
+          <a:lstStyle/>
+          <a:p>
+            <a:r>
+              <a:rPr lang="en-GB" dirty="0"/>
+              <a:t>Our opinions</a:t>
+            </a:r>
+          </a:p>
+        </p:txBody>
+      </p:sp>
+      <p:sp>
+        <p:nvSpPr>
+          <p:cNvPr id="3" name="Plassholder for innhold 2">
+            <a:extLst>
+              <a:ext uri="{FF2B5EF4-FFF2-40B4-BE49-F238E27FC236}">
+                <a16:creationId xmlns:a16="http://schemas.microsoft.com/office/drawing/2014/main" id="{20E36304-E62C-6A47-8A45-691410081D86}"/>
+              </a:ext>
+            </a:extLst>
+          </p:cNvPr>
+          <p:cNvSpPr>
+            <a:spLocks noGrp="1"/>
+          </p:cNvSpPr>
+          <p:nvPr>
+            <p:ph idx="1"/>
+          </p:nvPr>
+        </p:nvSpPr>
+        <p:spPr/>
+        <p:txBody>
+          <a:bodyPr/>
+          <a:lstStyle/>
+          <a:p>
+            <a:endParaRPr lang="en-GB" dirty="0"/>
+          </a:p>
+        </p:txBody>
+      </p:sp>
+    </p:spTree>
+    <p:extLst>
+      <p:ext uri="{BB962C8B-B14F-4D97-AF65-F5344CB8AC3E}">
+        <p14:creationId xmlns:p14="http://schemas.microsoft.com/office/powerpoint/2010/main" val="1022516840"/>
+      </p:ext>
+    </p:extLst>
+  </p:cSld>
+  <p:clrMapOvr>
+    <a:masterClrMapping/>
+  </p:clrMapOvr>
+</p:sld>
+</file>
+
 <file path=ppt/slides/slide2.xml><?xml version="1.0" encoding="utf-8"?>
 <p:sld xmlns:a="http://schemas.openxmlformats.org/drawingml/2006/main" xmlns:r="http://schemas.openxmlformats.org/officeDocument/2006/relationships" xmlns:p="http://schemas.openxmlformats.org/presentationml/2006/main">
   <p:cSld>
@@ -2880,36 +3433,8 @@
           <a:lstStyle/>
           <a:p>
             <a:r>
-              <a:rPr lang="nb-NO" dirty="0"/>
-              <a:t>The </a:t>
-            </a:r>
-            <a:r>
               <a:rPr lang="nb-NO" dirty="0" err="1"/>
-              <a:t>two</a:t>
-            </a:r>
-            <a:r>
-              <a:rPr lang="nb-NO" dirty="0"/>
-              <a:t> </a:t>
-            </a:r>
-            <a:r>
-              <a:rPr lang="nb-NO" dirty="0" err="1"/>
-              <a:t>views</a:t>
-            </a:r>
-            <a:r>
-              <a:rPr lang="nb-NO" dirty="0"/>
-              <a:t> </a:t>
-            </a:r>
-            <a:r>
-              <a:rPr lang="nb-NO" dirty="0" err="1"/>
-              <a:t>of</a:t>
-            </a:r>
-            <a:r>
-              <a:rPr lang="nb-NO" dirty="0"/>
-              <a:t> </a:t>
-            </a:r>
-            <a:r>
-              <a:rPr lang="nb-NO" dirty="0" err="1"/>
-              <a:t>statistics</a:t>
+              <a:t>Overview</a:t>
             </a:r>
             <a:endParaRPr lang="nb-NO" dirty="0"/>
           </a:p>
@@ -2993,7 +3518,7 @@
           <a:p>
             <a:r>
               <a:rPr lang="en-GB" dirty="0"/>
-              <a:t>Second page</a:t>
+              <a:t>Buzz confusion</a:t>
             </a:r>
           </a:p>
         </p:txBody>
@@ -3019,7 +3544,58 @@
           <a:bodyPr/>
           <a:lstStyle/>
           <a:p>
-            <a:endParaRPr lang="en-GB"/>
+            <a:r>
+              <a:rPr lang="en-GB" dirty="0"/>
+              <a:t>Definitions and terminology</a:t>
+            </a:r>
+          </a:p>
+          <a:p>
+            <a:pPr lvl="1"/>
+            <a:r>
+              <a:rPr lang="en-GB" dirty="0"/>
+              <a:t>Greater statistics</a:t>
+            </a:r>
+          </a:p>
+          <a:p>
+            <a:pPr lvl="1"/>
+            <a:r>
+              <a:rPr lang="en-GB" dirty="0"/>
+              <a:t>Lesser statistics</a:t>
+            </a:r>
+          </a:p>
+          <a:p>
+            <a:pPr lvl="1"/>
+            <a:endParaRPr lang="en-GB" dirty="0"/>
+          </a:p>
+          <a:p>
+            <a:r>
+              <a:rPr lang="en-GB" dirty="0"/>
+              <a:t>The stand in the article</a:t>
+            </a:r>
+          </a:p>
+          <a:p>
+            <a:pPr lvl="1"/>
+            <a:r>
+              <a:rPr lang="en-GB" dirty="0"/>
+              <a:t>Lesser statistics</a:t>
+            </a:r>
+          </a:p>
+          <a:p>
+            <a:pPr lvl="2"/>
+            <a:r>
+              <a:rPr lang="en-GB" dirty="0"/>
+              <a:t>Also the general belief of “the outside world”</a:t>
+            </a:r>
+          </a:p>
+          <a:p>
+            <a:pPr lvl="1"/>
+            <a:r>
+              <a:rPr lang="en-GB" dirty="0"/>
+              <a:t>Value to society</a:t>
+            </a:r>
+          </a:p>
+          <a:p>
+            <a:endParaRPr lang="en-GB" dirty="0"/>
           </a:p>
         </p:txBody>
       </p:sp>
@@ -3058,7 +3634,7 @@
           <p:cNvPr id="2" name="Tittel 1">
             <a:extLst>
               <a:ext uri="{FF2B5EF4-FFF2-40B4-BE49-F238E27FC236}">
-                <a16:creationId xmlns:a16="http://schemas.microsoft.com/office/drawing/2014/main" id="{C6C57CC3-33AC-3C42-9EDB-BB7F0B735524}"/>
+                <a16:creationId xmlns:a16="http://schemas.microsoft.com/office/drawing/2014/main" id="{9C7E2ABB-E7D1-4248-8F72-0F790F1FAC29}"/>
               </a:ext>
             </a:extLst>
           </p:cNvPr>
@@ -3069,17 +3645,15 @@
             <p:ph type="title"/>
           </p:nvPr>
         </p:nvSpPr>
-        <p:spPr>
-          <a:xfrm>
-            <a:off x="982193" y="205979"/>
-            <a:ext cx="7681516" cy="646331"/>
-          </a:xfrm>
-        </p:spPr>
+        <p:spPr/>
         <p:txBody>
           <a:bodyPr/>
           <a:lstStyle/>
           <a:p>
-            <a:endParaRPr lang="en-GB" dirty="0"/>
+            <a:r>
+              <a:rPr lang="en-GB" dirty="0"/>
+              <a:t>What is data science?</a:t>
+            </a:r>
           </a:p>
         </p:txBody>
       </p:sp>
@@ -3088,7 +3662,7 @@
           <p:cNvPr id="3" name="Plassholder for innhold 2">
             <a:extLst>
               <a:ext uri="{FF2B5EF4-FFF2-40B4-BE49-F238E27FC236}">
-                <a16:creationId xmlns:a16="http://schemas.microsoft.com/office/drawing/2014/main" id="{82162D15-FCDD-2143-9FD7-3F7D1AE37A65}"/>
+                <a16:creationId xmlns:a16="http://schemas.microsoft.com/office/drawing/2014/main" id="{082F24E9-72F1-C448-8D35-03FBBF3CB8C5}"/>
               </a:ext>
             </a:extLst>
           </p:cNvPr>
@@ -3106,7 +3680,7 @@
           <a:p>
             <a:r>
               <a:rPr lang="en-GB" dirty="0"/>
-              <a:t>“The fact that data science exists as a field is a colossal failure of statistics”-</a:t>
+              <a:t>Quotes here</a:t>
             </a:r>
           </a:p>
         </p:txBody>
@@ -3114,7 +3688,7 @@
     </p:spTree>
     <p:extLst>
       <p:ext uri="{BB962C8B-B14F-4D97-AF65-F5344CB8AC3E}">
-        <p14:creationId xmlns:p14="http://schemas.microsoft.com/office/powerpoint/2010/main" val="658395917"/>
+        <p14:creationId xmlns:p14="http://schemas.microsoft.com/office/powerpoint/2010/main" val="2572729743"/>
       </p:ext>
     </p:extLst>
   </p:cSld>
@@ -3146,7 +3720,7 @@
           <p:cNvPr id="2" name="Tittel 1">
             <a:extLst>
               <a:ext uri="{FF2B5EF4-FFF2-40B4-BE49-F238E27FC236}">
-                <a16:creationId xmlns:a16="http://schemas.microsoft.com/office/drawing/2014/main" id="{5F1F9F51-2CE7-6F43-B3E9-4A39DB105408}"/>
+                <a16:creationId xmlns:a16="http://schemas.microsoft.com/office/drawing/2014/main" id="{A2CAE4DC-4CDC-B246-A010-11A6536D4C1B}"/>
               </a:ext>
             </a:extLst>
           </p:cNvPr>
@@ -3157,14 +3731,26 @@
             <p:ph type="title"/>
           </p:nvPr>
         </p:nvSpPr>
-        <p:spPr/>
+        <p:spPr>
+          <a:xfrm>
+            <a:off x="982193" y="205979"/>
+            <a:ext cx="7681516" cy="1200329"/>
+          </a:xfrm>
+        </p:spPr>
         <p:txBody>
           <a:bodyPr/>
           <a:lstStyle/>
           <a:p>
             <a:r>
               <a:rPr lang="en-GB" dirty="0"/>
-              <a:t>Prosperous </a:t>
+              <a:t>The principal components </a:t>
+            </a:r>
+            <a:br>
+              <a:rPr lang="en-GB" dirty="0"/>
+            </a:br>
+            <a:r>
+              <a:rPr lang="en-GB" dirty="0"/>
+              <a:t>of data science</a:t>
             </a:r>
           </a:p>
         </p:txBody>
@@ -3174,7 +3760,7 @@
           <p:cNvPr id="3" name="Plassholder for innhold 2">
             <a:extLst>
               <a:ext uri="{FF2B5EF4-FFF2-40B4-BE49-F238E27FC236}">
-                <a16:creationId xmlns:a16="http://schemas.microsoft.com/office/drawing/2014/main" id="{95FF7198-7D06-1742-A58D-26933C530D03}"/>
+                <a16:creationId xmlns:a16="http://schemas.microsoft.com/office/drawing/2014/main" id="{AA81DAEF-EA91-CB40-961D-FBEC6AC07A68}"/>
               </a:ext>
             </a:extLst>
           </p:cNvPr>
@@ -3187,22 +3773,43 @@
         </p:nvSpPr>
         <p:spPr>
           <a:xfrm>
-            <a:off x="982193" y="1178719"/>
-            <a:ext cx="7681516" cy="3637216"/>
+            <a:off x="982193" y="1707356"/>
+            <a:ext cx="7681516" cy="3108579"/>
           </a:xfrm>
         </p:spPr>
         <p:txBody>
           <a:bodyPr/>
           <a:lstStyle/>
           <a:p>
-            <a:endParaRPr lang="en-GB" dirty="0"/>
+            <a:r>
+              <a:rPr lang="en-GB" dirty="0"/>
+              <a:t>3.1</a:t>
+            </a:r>
+          </a:p>
+          <a:p>
+            <a:r>
+              <a:rPr lang="en-GB" dirty="0"/>
+              <a:t>3.2</a:t>
+            </a:r>
+          </a:p>
+          <a:p>
+            <a:r>
+              <a:rPr lang="en-GB" dirty="0"/>
+              <a:t>3.3</a:t>
+            </a:r>
+          </a:p>
+          <a:p>
+            <a:r>
+              <a:rPr lang="en-GB" dirty="0"/>
+              <a:t>3.4</a:t>
+            </a:r>
           </a:p>
         </p:txBody>
       </p:sp>
     </p:spTree>
     <p:extLst>
       <p:ext uri="{BB962C8B-B14F-4D97-AF65-F5344CB8AC3E}">
-        <p14:creationId xmlns:p14="http://schemas.microsoft.com/office/powerpoint/2010/main" val="37620304"/>
+        <p14:creationId xmlns:p14="http://schemas.microsoft.com/office/powerpoint/2010/main" val="1946370472"/>
       </p:ext>
     </p:extLst>
   </p:cSld>
@@ -3234,6 +3841,277 @@
           <p:cNvPr id="2" name="Tittel 1">
             <a:extLst>
               <a:ext uri="{FF2B5EF4-FFF2-40B4-BE49-F238E27FC236}">
+                <a16:creationId xmlns:a16="http://schemas.microsoft.com/office/drawing/2014/main" id="{C6C57CC3-33AC-3C42-9EDB-BB7F0B735524}"/>
+              </a:ext>
+            </a:extLst>
+          </p:cNvPr>
+          <p:cNvSpPr>
+            <a:spLocks noGrp="1"/>
+          </p:cNvSpPr>
+          <p:nvPr>
+            <p:ph type="title"/>
+          </p:nvPr>
+        </p:nvSpPr>
+        <p:spPr>
+          <a:xfrm>
+            <a:off x="982193" y="205979"/>
+            <a:ext cx="7681516" cy="646331"/>
+          </a:xfrm>
+        </p:spPr>
+        <p:txBody>
+          <a:bodyPr/>
+          <a:lstStyle/>
+          <a:p>
+            <a:r>
+              <a:rPr lang="en-GB" dirty="0"/>
+              <a:t>Critiques of statistics</a:t>
+            </a:r>
+          </a:p>
+        </p:txBody>
+      </p:sp>
+      <p:sp>
+        <p:nvSpPr>
+          <p:cNvPr id="3" name="Plassholder for innhold 2">
+            <a:extLst>
+              <a:ext uri="{FF2B5EF4-FFF2-40B4-BE49-F238E27FC236}">
+                <a16:creationId xmlns:a16="http://schemas.microsoft.com/office/drawing/2014/main" id="{82162D15-FCDD-2143-9FD7-3F7D1AE37A65}"/>
+              </a:ext>
+            </a:extLst>
+          </p:cNvPr>
+          <p:cNvSpPr>
+            <a:spLocks noGrp="1"/>
+          </p:cNvSpPr>
+          <p:nvPr>
+            <p:ph idx="1"/>
+          </p:nvPr>
+        </p:nvSpPr>
+        <p:spPr/>
+        <p:txBody>
+          <a:bodyPr/>
+          <a:lstStyle/>
+          <a:p>
+            <a:r>
+              <a:rPr lang="en-GB" dirty="0"/>
+              <a:t>“The fact that data science exists as a field is a colossal failure of statistics”</a:t>
+            </a:r>
+          </a:p>
+        </p:txBody>
+      </p:sp>
+    </p:spTree>
+    <p:extLst>
+      <p:ext uri="{BB962C8B-B14F-4D97-AF65-F5344CB8AC3E}">
+        <p14:creationId xmlns:p14="http://schemas.microsoft.com/office/powerpoint/2010/main" val="658395917"/>
+      </p:ext>
+    </p:extLst>
+  </p:cSld>
+  <p:clrMapOvr>
+    <a:masterClrMapping/>
+  </p:clrMapOvr>
+</p:sld>
+</file>
+
+<file path=ppt/slides/slide7.xml><?xml version="1.0" encoding="utf-8"?>
+<p:sld xmlns:a="http://schemas.openxmlformats.org/drawingml/2006/main" xmlns:r="http://schemas.openxmlformats.org/officeDocument/2006/relationships" xmlns:p="http://schemas.openxmlformats.org/presentationml/2006/main">
+  <p:cSld>
+    <p:spTree>
+      <p:nvGrpSpPr>
+        <p:cNvPr id="1" name=""/>
+        <p:cNvGrpSpPr/>
+        <p:nvPr/>
+      </p:nvGrpSpPr>
+      <p:grpSpPr>
+        <a:xfrm>
+          <a:off x="0" y="0"/>
+          <a:ext cx="0" cy="0"/>
+          <a:chOff x="0" y="0"/>
+          <a:chExt cx="0" cy="0"/>
+        </a:xfrm>
+      </p:grpSpPr>
+      <p:sp>
+        <p:nvSpPr>
+          <p:cNvPr id="2" name="Tittel 1">
+            <a:extLst>
+              <a:ext uri="{FF2B5EF4-FFF2-40B4-BE49-F238E27FC236}">
+                <a16:creationId xmlns:a16="http://schemas.microsoft.com/office/drawing/2014/main" id="{5F1F9F51-2CE7-6F43-B3E9-4A39DB105408}"/>
+              </a:ext>
+            </a:extLst>
+          </p:cNvPr>
+          <p:cNvSpPr>
+            <a:spLocks noGrp="1"/>
+          </p:cNvSpPr>
+          <p:nvPr>
+            <p:ph type="title"/>
+          </p:nvPr>
+        </p:nvSpPr>
+        <p:spPr/>
+        <p:txBody>
+          <a:bodyPr/>
+          <a:lstStyle/>
+          <a:p>
+            <a:r>
+              <a:rPr lang="en-GB" dirty="0"/>
+              <a:t>Going forward</a:t>
+            </a:r>
+          </a:p>
+        </p:txBody>
+      </p:sp>
+      <p:sp>
+        <p:nvSpPr>
+          <p:cNvPr id="3" name="Plassholder for innhold 2">
+            <a:extLst>
+              <a:ext uri="{FF2B5EF4-FFF2-40B4-BE49-F238E27FC236}">
+                <a16:creationId xmlns:a16="http://schemas.microsoft.com/office/drawing/2014/main" id="{95FF7198-7D06-1742-A58D-26933C530D03}"/>
+              </a:ext>
+            </a:extLst>
+          </p:cNvPr>
+          <p:cNvSpPr>
+            <a:spLocks noGrp="1"/>
+          </p:cNvSpPr>
+          <p:nvPr>
+            <p:ph idx="1"/>
+          </p:nvPr>
+        </p:nvSpPr>
+        <p:spPr>
+          <a:xfrm>
+            <a:off x="982193" y="1178719"/>
+            <a:ext cx="7681516" cy="3637216"/>
+          </a:xfrm>
+        </p:spPr>
+        <p:txBody>
+          <a:bodyPr/>
+          <a:lstStyle/>
+          <a:p>
+            <a:r>
+              <a:rPr lang="en-GB" dirty="0"/>
+              <a:t>“Get statistics back up”</a:t>
+            </a:r>
+          </a:p>
+          <a:p>
+            <a:r>
+              <a:rPr lang="en-GB" dirty="0"/>
+              <a:t>A general response here before going explicitly into the two subsections </a:t>
+            </a:r>
+          </a:p>
+        </p:txBody>
+      </p:sp>
+    </p:spTree>
+    <p:extLst>
+      <p:ext uri="{BB962C8B-B14F-4D97-AF65-F5344CB8AC3E}">
+        <p14:creationId xmlns:p14="http://schemas.microsoft.com/office/powerpoint/2010/main" val="37620304"/>
+      </p:ext>
+    </p:extLst>
+  </p:cSld>
+  <p:clrMapOvr>
+    <a:masterClrMapping/>
+  </p:clrMapOvr>
+</p:sld>
+</file>
+
+<file path=ppt/slides/slide8.xml><?xml version="1.0" encoding="utf-8"?>
+<p:sld xmlns:a="http://schemas.openxmlformats.org/drawingml/2006/main" xmlns:r="http://schemas.openxmlformats.org/officeDocument/2006/relationships" xmlns:p="http://schemas.openxmlformats.org/presentationml/2006/main">
+  <p:cSld>
+    <p:spTree>
+      <p:nvGrpSpPr>
+        <p:cNvPr id="1" name=""/>
+        <p:cNvGrpSpPr/>
+        <p:nvPr/>
+      </p:nvGrpSpPr>
+      <p:grpSpPr>
+        <a:xfrm>
+          <a:off x="0" y="0"/>
+          <a:ext cx="0" cy="0"/>
+          <a:chOff x="0" y="0"/>
+          <a:chExt cx="0" cy="0"/>
+        </a:xfrm>
+      </p:grpSpPr>
+      <p:sp>
+        <p:nvSpPr>
+          <p:cNvPr id="2" name="Tittel 1">
+            <a:extLst>
+              <a:ext uri="{FF2B5EF4-FFF2-40B4-BE49-F238E27FC236}">
+                <a16:creationId xmlns:a16="http://schemas.microsoft.com/office/drawing/2014/main" id="{824753E3-55A4-5C44-AB07-E72781AC6026}"/>
+              </a:ext>
+            </a:extLst>
+          </p:cNvPr>
+          <p:cNvSpPr>
+            <a:spLocks noGrp="1"/>
+          </p:cNvSpPr>
+          <p:nvPr>
+            <p:ph type="title"/>
+          </p:nvPr>
+        </p:nvSpPr>
+        <p:spPr/>
+        <p:txBody>
+          <a:bodyPr/>
+          <a:lstStyle/>
+          <a:p>
+            <a:r>
+              <a:rPr lang="en-GB" dirty="0"/>
+              <a:t>For research</a:t>
+            </a:r>
+          </a:p>
+        </p:txBody>
+      </p:sp>
+      <p:sp>
+        <p:nvSpPr>
+          <p:cNvPr id="3" name="Plassholder for innhold 2">
+            <a:extLst>
+              <a:ext uri="{FF2B5EF4-FFF2-40B4-BE49-F238E27FC236}">
+                <a16:creationId xmlns:a16="http://schemas.microsoft.com/office/drawing/2014/main" id="{36E70A85-84F5-D74E-AB20-2F8C8A505DB0}"/>
+              </a:ext>
+            </a:extLst>
+          </p:cNvPr>
+          <p:cNvSpPr>
+            <a:spLocks noGrp="1"/>
+          </p:cNvSpPr>
+          <p:nvPr>
+            <p:ph idx="1"/>
+          </p:nvPr>
+        </p:nvSpPr>
+        <p:spPr/>
+        <p:txBody>
+          <a:bodyPr/>
+          <a:lstStyle/>
+          <a:p>
+            <a:endParaRPr lang="en-GB" dirty="0"/>
+          </a:p>
+        </p:txBody>
+      </p:sp>
+    </p:spTree>
+    <p:extLst>
+      <p:ext uri="{BB962C8B-B14F-4D97-AF65-F5344CB8AC3E}">
+        <p14:creationId xmlns:p14="http://schemas.microsoft.com/office/powerpoint/2010/main" val="3383589931"/>
+      </p:ext>
+    </p:extLst>
+  </p:cSld>
+  <p:clrMapOvr>
+    <a:masterClrMapping/>
+  </p:clrMapOvr>
+</p:sld>
+</file>
+
+<file path=ppt/slides/slide9.xml><?xml version="1.0" encoding="utf-8"?>
+<p:sld xmlns:a="http://schemas.openxmlformats.org/drawingml/2006/main" xmlns:r="http://schemas.openxmlformats.org/officeDocument/2006/relationships" xmlns:p="http://schemas.openxmlformats.org/presentationml/2006/main">
+  <p:cSld>
+    <p:spTree>
+      <p:nvGrpSpPr>
+        <p:cNvPr id="1" name=""/>
+        <p:cNvGrpSpPr/>
+        <p:nvPr/>
+      </p:nvGrpSpPr>
+      <p:grpSpPr>
+        <a:xfrm>
+          <a:off x="0" y="0"/>
+          <a:ext cx="0" cy="0"/>
+          <a:chOff x="0" y="0"/>
+          <a:chExt cx="0" cy="0"/>
+        </a:xfrm>
+      </p:grpSpPr>
+      <p:sp>
+        <p:nvSpPr>
+          <p:cNvPr id="2" name="Tittel 1">
+            <a:extLst>
+              <a:ext uri="{FF2B5EF4-FFF2-40B4-BE49-F238E27FC236}">
                 <a16:creationId xmlns:a16="http://schemas.microsoft.com/office/drawing/2014/main" id="{3B59C0AD-3D7D-D84D-9D1C-FA28CB8F4059}"/>
               </a:ext>
             </a:extLst>
@@ -3252,7 +4130,7 @@
           <a:p>
             <a:r>
               <a:rPr lang="en-GB" dirty="0"/>
-              <a:t>For the educators</a:t>
+              <a:t>For education</a:t>
             </a:r>
           </a:p>
         </p:txBody>
@@ -3644,4 +4522,299 @@
   </a:objectDefaults>
   <a:extraClrSchemeLst/>
 </a:theme>
+</file>
+
+<file path=ppt/theme/theme2.xml><?xml version="1.0" encoding="utf-8"?>
+<a:theme xmlns:a="http://schemas.openxmlformats.org/drawingml/2006/main" name="Office-tema">
+  <a:themeElements>
+    <a:clrScheme name="Office">
+      <a:dk1>
+        <a:sysClr val="windowText" lastClr="000000"/>
+      </a:dk1>
+      <a:lt1>
+        <a:sysClr val="window" lastClr="FFFFFF"/>
+      </a:lt1>
+      <a:dk2>
+        <a:srgbClr val="44546A"/>
+      </a:dk2>
+      <a:lt2>
+        <a:srgbClr val="E7E6E6"/>
+      </a:lt2>
+      <a:accent1>
+        <a:srgbClr val="4472C4"/>
+      </a:accent1>
+      <a:accent2>
+        <a:srgbClr val="ED7D31"/>
+      </a:accent2>
+      <a:accent3>
+        <a:srgbClr val="A5A5A5"/>
+      </a:accent3>
+      <a:accent4>
+        <a:srgbClr val="FFC000"/>
+      </a:accent4>
+      <a:accent5>
+        <a:srgbClr val="5B9BD5"/>
+      </a:accent5>
+      <a:accent6>
+        <a:srgbClr val="70AD47"/>
+      </a:accent6>
+      <a:hlink>
+        <a:srgbClr val="0563C1"/>
+      </a:hlink>
+      <a:folHlink>
+        <a:srgbClr val="954F72"/>
+      </a:folHlink>
+    </a:clrScheme>
+    <a:fontScheme name="Office">
+      <a:majorFont>
+        <a:latin typeface="Calibri Light" panose="020F0302020204030204"/>
+        <a:ea typeface=""/>
+        <a:cs typeface=""/>
+        <a:font script="Jpan" typeface="游ゴシック Light"/>
+        <a:font script="Hang" typeface="맑은 고딕"/>
+        <a:font script="Hans" typeface="等线 Light"/>
+        <a:font script="Hant" typeface="新細明體"/>
+        <a:font script="Arab" typeface="Times New Roman"/>
+        <a:font script="Hebr" typeface="Times New Roman"/>
+        <a:font script="Thai" typeface="Angsana New"/>
+        <a:font script="Ethi" typeface="Nyala"/>
+        <a:font script="Beng" typeface="Vrinda"/>
+        <a:font script="Gujr" typeface="Shruti"/>
+        <a:font script="Khmr" typeface="MoolBoran"/>
+        <a:font script="Knda" typeface="Tunga"/>
+        <a:font script="Guru" typeface="Raavi"/>
+        <a:font script="Cans" typeface="Euphemia"/>
+        <a:font script="Cher" typeface="Plantagenet Cherokee"/>
+        <a:font script="Yiii" typeface="Microsoft Yi Baiti"/>
+        <a:font script="Tibt" typeface="Microsoft Himalaya"/>
+        <a:font script="Thaa" typeface="MV Boli"/>
+        <a:font script="Deva" typeface="Mangal"/>
+        <a:font script="Telu" typeface="Gautami"/>
+        <a:font script="Taml" typeface="Latha"/>
+        <a:font script="Syrc" typeface="Estrangelo Edessa"/>
+        <a:font script="Orya" typeface="Kalinga"/>
+        <a:font script="Mlym" typeface="Kartika"/>
+        <a:font script="Laoo" typeface="DokChampa"/>
+        <a:font script="Sinh" typeface="Iskoola Pota"/>
+        <a:font script="Mong" typeface="Mongolian Baiti"/>
+        <a:font script="Viet" typeface="Times New Roman"/>
+        <a:font script="Uigh" typeface="Microsoft Uighur"/>
+        <a:font script="Geor" typeface="Sylfaen"/>
+        <a:font script="Armn" typeface="Arial"/>
+        <a:font script="Bugi" typeface="Leelawadee UI"/>
+        <a:font script="Bopo" typeface="Microsoft JhengHei"/>
+        <a:font script="Java" typeface="Javanese Text"/>
+        <a:font script="Lisu" typeface="Segoe UI"/>
+        <a:font script="Mymr" typeface="Myanmar Text"/>
+        <a:font script="Nkoo" typeface="Ebrima"/>
+        <a:font script="Olck" typeface="Nirmala UI"/>
+        <a:font script="Osma" typeface="Ebrima"/>
+        <a:font script="Phag" typeface="Phagspa"/>
+        <a:font script="Syrn" typeface="Estrangelo Edessa"/>
+        <a:font script="Syrj" typeface="Estrangelo Edessa"/>
+        <a:font script="Syre" typeface="Estrangelo Edessa"/>
+        <a:font script="Sora" typeface="Nirmala UI"/>
+        <a:font script="Tale" typeface="Microsoft Tai Le"/>
+        <a:font script="Talu" typeface="Microsoft New Tai Lue"/>
+        <a:font script="Tfng" typeface="Ebrima"/>
+      </a:majorFont>
+      <a:minorFont>
+        <a:latin typeface="Calibri" panose="020F0502020204030204"/>
+        <a:ea typeface=""/>
+        <a:cs typeface=""/>
+        <a:font script="Jpan" typeface="游ゴシック"/>
+        <a:font script="Hang" typeface="맑은 고딕"/>
+        <a:font script="Hans" typeface="等线"/>
+        <a:font script="Hant" typeface="新細明體"/>
+        <a:font script="Arab" typeface="Arial"/>
+        <a:font script="Hebr" typeface="Arial"/>
+        <a:font script="Thai" typeface="Cordia New"/>
+        <a:font script="Ethi" typeface="Nyala"/>
+        <a:font script="Beng" typeface="Vrinda"/>
+        <a:font script="Gujr" typeface="Shruti"/>
+        <a:font script="Khmr" typeface="DaunPenh"/>
+        <a:font script="Knda" typeface="Tunga"/>
+        <a:font script="Guru" typeface="Raavi"/>
+        <a:font script="Cans" typeface="Euphemia"/>
+        <a:font script="Cher" typeface="Plantagenet Cherokee"/>
+        <a:font script="Yiii" typeface="Microsoft Yi Baiti"/>
+        <a:font script="Tibt" typeface="Microsoft Himalaya"/>
+        <a:font script="Thaa" typeface="MV Boli"/>
+        <a:font script="Deva" typeface="Mangal"/>
+        <a:font script="Telu" typeface="Gautami"/>
+        <a:font script="Taml" typeface="Latha"/>
+        <a:font script="Syrc" typeface="Estrangelo Edessa"/>
+        <a:font script="Orya" typeface="Kalinga"/>
+        <a:font script="Mlym" typeface="Kartika"/>
+        <a:font script="Laoo" typeface="DokChampa"/>
+        <a:font script="Sinh" typeface="Iskoola Pota"/>
+        <a:font script="Mong" typeface="Mongolian Baiti"/>
+        <a:font script="Viet" typeface="Arial"/>
+        <a:font script="Uigh" typeface="Microsoft Uighur"/>
+        <a:font script="Geor" typeface="Sylfaen"/>
+        <a:font script="Armn" typeface="Arial"/>
+        <a:font script="Bugi" typeface="Leelawadee UI"/>
+        <a:font script="Bopo" typeface="Microsoft JhengHei"/>
+        <a:font script="Java" typeface="Javanese Text"/>
+        <a:font script="Lisu" typeface="Segoe UI"/>
+        <a:font script="Mymr" typeface="Myanmar Text"/>
+        <a:font script="Nkoo" typeface="Ebrima"/>
+        <a:font script="Olck" typeface="Nirmala UI"/>
+        <a:font script="Osma" typeface="Ebrima"/>
+        <a:font script="Phag" typeface="Phagspa"/>
+        <a:font script="Syrn" typeface="Estrangelo Edessa"/>
+        <a:font script="Syrj" typeface="Estrangelo Edessa"/>
+        <a:font script="Syre" typeface="Estrangelo Edessa"/>
+        <a:font script="Sora" typeface="Nirmala UI"/>
+        <a:font script="Tale" typeface="Microsoft Tai Le"/>
+        <a:font script="Talu" typeface="Microsoft New Tai Lue"/>
+        <a:font script="Tfng" typeface="Ebrima"/>
+      </a:minorFont>
+    </a:fontScheme>
+    <a:fmtScheme name="Office">
+      <a:fillStyleLst>
+        <a:solidFill>
+          <a:schemeClr val="phClr"/>
+        </a:solidFill>
+        <a:gradFill rotWithShape="1">
+          <a:gsLst>
+            <a:gs pos="0">
+              <a:schemeClr val="phClr">
+                <a:lumMod val="110000"/>
+                <a:satMod val="105000"/>
+                <a:tint val="67000"/>
+              </a:schemeClr>
+            </a:gs>
+            <a:gs pos="50000">
+              <a:schemeClr val="phClr">
+                <a:lumMod val="105000"/>
+                <a:satMod val="103000"/>
+                <a:tint val="73000"/>
+              </a:schemeClr>
+            </a:gs>
+            <a:gs pos="100000">
+              <a:schemeClr val="phClr">
+                <a:lumMod val="105000"/>
+                <a:satMod val="109000"/>
+                <a:tint val="81000"/>
+              </a:schemeClr>
+            </a:gs>
+          </a:gsLst>
+          <a:lin ang="5400000" scaled="0"/>
+        </a:gradFill>
+        <a:gradFill rotWithShape="1">
+          <a:gsLst>
+            <a:gs pos="0">
+              <a:schemeClr val="phClr">
+                <a:satMod val="103000"/>
+                <a:lumMod val="102000"/>
+                <a:tint val="94000"/>
+              </a:schemeClr>
+            </a:gs>
+            <a:gs pos="50000">
+              <a:schemeClr val="phClr">
+                <a:satMod val="110000"/>
+                <a:lumMod val="100000"/>
+                <a:shade val="100000"/>
+              </a:schemeClr>
+            </a:gs>
+            <a:gs pos="100000">
+              <a:schemeClr val="phClr">
+                <a:lumMod val="99000"/>
+                <a:satMod val="120000"/>
+                <a:shade val="78000"/>
+              </a:schemeClr>
+            </a:gs>
+          </a:gsLst>
+          <a:lin ang="5400000" scaled="0"/>
+        </a:gradFill>
+      </a:fillStyleLst>
+      <a:lnStyleLst>
+        <a:ln w="6350" cap="flat" cmpd="sng" algn="ctr">
+          <a:solidFill>
+            <a:schemeClr val="phClr"/>
+          </a:solidFill>
+          <a:prstDash val="solid"/>
+          <a:miter lim="800000"/>
+        </a:ln>
+        <a:ln w="12700" cap="flat" cmpd="sng" algn="ctr">
+          <a:solidFill>
+            <a:schemeClr val="phClr"/>
+          </a:solidFill>
+          <a:prstDash val="solid"/>
+          <a:miter lim="800000"/>
+        </a:ln>
+        <a:ln w="19050" cap="flat" cmpd="sng" algn="ctr">
+          <a:solidFill>
+            <a:schemeClr val="phClr"/>
+          </a:solidFill>
+          <a:prstDash val="solid"/>
+          <a:miter lim="800000"/>
+        </a:ln>
+      </a:lnStyleLst>
+      <a:effectStyleLst>
+        <a:effectStyle>
+          <a:effectLst/>
+        </a:effectStyle>
+        <a:effectStyle>
+          <a:effectLst/>
+        </a:effectStyle>
+        <a:effectStyle>
+          <a:effectLst>
+            <a:outerShdw blurRad="57150" dist="19050" dir="5400000" algn="ctr" rotWithShape="0">
+              <a:srgbClr val="000000">
+                <a:alpha val="63000"/>
+              </a:srgbClr>
+            </a:outerShdw>
+          </a:effectLst>
+        </a:effectStyle>
+      </a:effectStyleLst>
+      <a:bgFillStyleLst>
+        <a:solidFill>
+          <a:schemeClr val="phClr"/>
+        </a:solidFill>
+        <a:solidFill>
+          <a:schemeClr val="phClr">
+            <a:tint val="95000"/>
+            <a:satMod val="170000"/>
+          </a:schemeClr>
+        </a:solidFill>
+        <a:gradFill rotWithShape="1">
+          <a:gsLst>
+            <a:gs pos="0">
+              <a:schemeClr val="phClr">
+                <a:tint val="93000"/>
+                <a:satMod val="150000"/>
+                <a:shade val="98000"/>
+                <a:lumMod val="102000"/>
+              </a:schemeClr>
+            </a:gs>
+            <a:gs pos="50000">
+              <a:schemeClr val="phClr">
+                <a:tint val="98000"/>
+                <a:satMod val="130000"/>
+                <a:shade val="90000"/>
+                <a:lumMod val="103000"/>
+              </a:schemeClr>
+            </a:gs>
+            <a:gs pos="100000">
+              <a:schemeClr val="phClr">
+                <a:shade val="63000"/>
+                <a:satMod val="120000"/>
+              </a:schemeClr>
+            </a:gs>
+          </a:gsLst>
+          <a:lin ang="5400000" scaled="0"/>
+        </a:gradFill>
+      </a:bgFillStyleLst>
+    </a:fmtScheme>
+  </a:themeElements>
+  <a:objectDefaults/>
+  <a:extraClrSchemeLst/>
+  <a:extLst>
+    <a:ext uri="{05A4C25C-085E-4340-85A3-A5531E510DB2}">
+      <thm15:themeFamily xmlns:thm15="http://schemas.microsoft.com/office/thememl/2012/main" name="Office Theme" id="{62F939B6-93AF-4DB8-9C6B-D6C7DFDC589F}" vid="{4A3C46E8-61CC-4603-A589-7422A47A8E4A}"/>
+    </a:ext>
+  </a:extLst>
+</a:theme>
 </file>
--- a/Article presentation.pptx
+++ b/Article presentation.pptx
@@ -137,7 +137,7 @@
 
 <file path=ppt/commentAuthors.xml><?xml version="1.0" encoding="utf-8"?>
 <p:cmAuthorLst xmlns:a="http://schemas.openxmlformats.org/drawingml/2006/main" xmlns:r="http://schemas.openxmlformats.org/officeDocument/2006/relationships" xmlns:p="http://schemas.openxmlformats.org/presentationml/2006/main">
-  <p:cmAuthor id="1" name="Tinius Petter Mellbye" initials="TPM" lastIdx="1" clrIdx="0">
+  <p:cmAuthor id="1" name="Tinius Petter Mellbye" initials="TPM" lastIdx="4" clrIdx="0">
     <p:extLst>
       <p:ext uri="{19B8F6BF-5375-455C-9EA6-DF929625EA0E}">
         <p15:presenceInfo xmlns:p15="http://schemas.microsoft.com/office/powerpoint/2012/main" userId="S::tiniuspm@ntnu.no::900ec4ec-f546-4e30-b5ab-98e6f4caab9a" providerId="AD"/>
@@ -148,6 +148,38 @@
 </file>
 
 <file path=ppt/comments/comment1.xml><?xml version="1.0" encoding="utf-8"?>
+<p:cmLst xmlns:a="http://schemas.openxmlformats.org/drawingml/2006/main" xmlns:r="http://schemas.openxmlformats.org/officeDocument/2006/relationships" xmlns:p="http://schemas.openxmlformats.org/presentationml/2006/main">
+  <p:cm authorId="1" dt="2021-03-11T17:46:26.598" idx="2">
+    <p:pos x="3412" y="624"/>
+    <p:text>Tinius tar dette</p:text>
+    <p:extLst>
+      <p:ext uri="{C676402C-5697-4E1C-873F-D02D1690AC5C}">
+        <p15:threadingInfo xmlns:p15="http://schemas.microsoft.com/office/powerpoint/2012/main" timeZoneBias="-60"/>
+      </p:ext>
+    </p:extLst>
+  </p:cm>
+  <p:cm authorId="1" dt="2021-03-11T17:46:40.956" idx="3">
+    <p:pos x="2885" y="1132"/>
+    <p:text>En tar dette</p:text>
+    <p:extLst>
+      <p:ext uri="{C676402C-5697-4E1C-873F-D02D1690AC5C}">
+        <p15:threadingInfo xmlns:p15="http://schemas.microsoft.com/office/powerpoint/2012/main" timeZoneBias="-60"/>
+      </p:ext>
+    </p:extLst>
+  </p:cm>
+  <p:cm authorId="1" dt="2021-03-11T17:47:02.228" idx="4">
+    <p:pos x="2147" y="1683"/>
+    <p:text>En annen tar dette</p:text>
+    <p:extLst>
+      <p:ext uri="{C676402C-5697-4E1C-873F-D02D1690AC5C}">
+        <p15:threadingInfo xmlns:p15="http://schemas.microsoft.com/office/powerpoint/2012/main" timeZoneBias="-60"/>
+      </p:ext>
+    </p:extLst>
+  </p:cm>
+</p:cmLst>
+</file>
+
+<file path=ppt/comments/comment2.xml><?xml version="1.0" encoding="utf-8"?>
 <p:cmLst xmlns:a="http://schemas.openxmlformats.org/drawingml/2006/main" xmlns:r="http://schemas.openxmlformats.org/officeDocument/2006/relationships" xmlns:p="http://schemas.openxmlformats.org/presentationml/2006/main">
   <p:cm authorId="1" dt="2021-02-24T12:54:21.780" idx="1">
     <p:pos x="2839" y="769"/>
@@ -243,7 +275,7 @@
           <a:p>
             <a:fld id="{A03D1B3E-2479-1A42-AFB4-0C2D14A3A7BC}" type="datetimeFigureOut">
               <a:rPr lang="en-GB" smtClean="0"/>
-              <a:t>24/02/2021</a:t>
+              <a:t>11/03/2021</a:t>
             </a:fld>
             <a:endParaRPr lang="en-GB"/>
           </a:p>
@@ -3351,7 +3383,7 @@
           <a:p>
             <a:r>
               <a:rPr lang="en-GB" dirty="0"/>
-              <a:t>Our opinions</a:t>
+              <a:t>Our opinions (maybe skip)</a:t>
             </a:r>
           </a:p>
         </p:txBody>
@@ -3461,7 +3493,84 @@
           <a:bodyPr/>
           <a:lstStyle/>
           <a:p>
+            <a:r>
+              <a:rPr lang="nb-NO" dirty="0" err="1"/>
+              <a:t>Semantic</a:t>
+            </a:r>
+            <a:r>
+              <a:rPr lang="nb-NO" dirty="0"/>
+              <a:t> </a:t>
+            </a:r>
+          </a:p>
+          <a:p>
+            <a:r>
+              <a:rPr lang="nb-NO" dirty="0"/>
+              <a:t>The stand </a:t>
+            </a:r>
+            <a:r>
+              <a:rPr lang="nb-NO" dirty="0" err="1"/>
+              <a:t>taken</a:t>
+            </a:r>
+            <a:r>
+              <a:rPr lang="nb-NO" dirty="0"/>
+              <a:t> in </a:t>
+            </a:r>
+            <a:r>
+              <a:rPr lang="nb-NO" dirty="0" err="1"/>
+              <a:t>the</a:t>
+            </a:r>
+            <a:r>
+              <a:rPr lang="nb-NO" dirty="0"/>
+              <a:t> </a:t>
+            </a:r>
+            <a:r>
+              <a:rPr lang="nb-NO" dirty="0" err="1"/>
+              <a:t>article</a:t>
+            </a:r>
             <a:endParaRPr lang="nb-NO" dirty="0"/>
+          </a:p>
+          <a:p>
+            <a:r>
+              <a:rPr lang="nb-NO" dirty="0" err="1"/>
+              <a:t>What</a:t>
+            </a:r>
+            <a:r>
+              <a:rPr lang="nb-NO" dirty="0"/>
+              <a:t> is Data Science?</a:t>
+            </a:r>
+          </a:p>
+          <a:p>
+            <a:r>
+              <a:rPr lang="nb-NO" dirty="0" err="1"/>
+              <a:t>Critiques</a:t>
+            </a:r>
+            <a:r>
+              <a:rPr lang="nb-NO" dirty="0"/>
+              <a:t> </a:t>
+            </a:r>
+            <a:r>
+              <a:rPr lang="nb-NO" dirty="0" err="1"/>
+              <a:t>of</a:t>
+            </a:r>
+            <a:r>
+              <a:rPr lang="nb-NO" dirty="0"/>
+              <a:t> </a:t>
+            </a:r>
+            <a:r>
+              <a:rPr lang="nb-NO" dirty="0" err="1"/>
+              <a:t>statistics</a:t>
+            </a:r>
+            <a:endParaRPr lang="nb-NO" dirty="0"/>
+          </a:p>
+          <a:p>
+            <a:r>
+              <a:rPr lang="nb-NO" dirty="0" err="1"/>
+              <a:t>Going</a:t>
+            </a:r>
+            <a:r>
+              <a:rPr lang="nb-NO" dirty="0"/>
+              <a:t> forward</a:t>
+            </a:r>
           </a:p>
         </p:txBody>
       </p:sp>

--- a/Article presentation.pptx
+++ b/Article presentation.pptx
@@ -5,19 +5,20 @@
     <p:sldMasterId id="2147483648" r:id="rId1"/>
   </p:sldMasterIdLst>
   <p:notesMasterIdLst>
-    <p:notesMasterId r:id="rId12"/>
+    <p:notesMasterId r:id="rId13"/>
   </p:notesMasterIdLst>
   <p:sldIdLst>
     <p:sldId id="256" r:id="rId2"/>
     <p:sldId id="257" r:id="rId3"/>
     <p:sldId id="258" r:id="rId4"/>
-    <p:sldId id="262" r:id="rId5"/>
-    <p:sldId id="263" r:id="rId6"/>
-    <p:sldId id="259" r:id="rId7"/>
-    <p:sldId id="260" r:id="rId8"/>
-    <p:sldId id="265" r:id="rId9"/>
-    <p:sldId id="261" r:id="rId10"/>
-    <p:sldId id="264" r:id="rId11"/>
+    <p:sldId id="266" r:id="rId5"/>
+    <p:sldId id="262" r:id="rId6"/>
+    <p:sldId id="263" r:id="rId7"/>
+    <p:sldId id="259" r:id="rId8"/>
+    <p:sldId id="260" r:id="rId9"/>
+    <p:sldId id="265" r:id="rId10"/>
+    <p:sldId id="261" r:id="rId11"/>
+    <p:sldId id="264" r:id="rId12"/>
   </p:sldIdLst>
   <p:sldSz cx="9144000" cy="5143500" type="screen16x9"/>
   <p:notesSz cx="6858000" cy="9144000"/>
@@ -589,7 +590,7 @@
           <a:p>
             <a:r>
               <a:rPr lang="en-GB" dirty="0"/>
-              <a:t>This class illustrates a desire to be relevant and applied, proven from the Python/ R ratio in the projects.</a:t>
+              <a:t>Here I put forth definitions and </a:t>
             </a:r>
           </a:p>
         </p:txBody>
@@ -611,7 +612,178 @@
           <a:p>
             <a:fld id="{A9B8CA07-BE1F-274E-8706-171B5A7EC955}" type="slidenum">
               <a:rPr lang="en-GB" smtClean="0"/>
-              <a:t>8</a:t>
+              <a:t>3</a:t>
+            </a:fld>
+            <a:endParaRPr lang="en-GB"/>
+          </a:p>
+        </p:txBody>
+      </p:sp>
+    </p:spTree>
+    <p:extLst>
+      <p:ext uri="{BB962C8B-B14F-4D97-AF65-F5344CB8AC3E}">
+        <p14:creationId xmlns:p14="http://schemas.microsoft.com/office/powerpoint/2010/main" val="2545278436"/>
+      </p:ext>
+    </p:extLst>
+  </p:cSld>
+  <p:clrMapOvr>
+    <a:masterClrMapping/>
+  </p:clrMapOvr>
+</p:notes>
+</file>
+
+<file path=ppt/notesSlides/notesSlide2.xml><?xml version="1.0" encoding="utf-8"?>
+<p:notes xmlns:a="http://schemas.openxmlformats.org/drawingml/2006/main" xmlns:r="http://schemas.openxmlformats.org/officeDocument/2006/relationships" xmlns:p="http://schemas.openxmlformats.org/presentationml/2006/main">
+  <p:cSld>
+    <p:spTree>
+      <p:nvGrpSpPr>
+        <p:cNvPr id="1" name=""/>
+        <p:cNvGrpSpPr/>
+        <p:nvPr/>
+      </p:nvGrpSpPr>
+      <p:grpSpPr>
+        <a:xfrm>
+          <a:off x="0" y="0"/>
+          <a:ext cx="0" cy="0"/>
+          <a:chOff x="0" y="0"/>
+          <a:chExt cx="0" cy="0"/>
+        </a:xfrm>
+      </p:grpSpPr>
+      <p:sp>
+        <p:nvSpPr>
+          <p:cNvPr id="2" name="Plassholder for lysbilde 1"/>
+          <p:cNvSpPr>
+            <a:spLocks noGrp="1" noRot="1" noChangeAspect="1"/>
+          </p:cNvSpPr>
+          <p:nvPr>
+            <p:ph type="sldImg"/>
+          </p:nvPr>
+        </p:nvSpPr>
+        <p:spPr/>
+      </p:sp>
+      <p:sp>
+        <p:nvSpPr>
+          <p:cNvPr id="3" name="Plassholder for notater 2"/>
+          <p:cNvSpPr>
+            <a:spLocks noGrp="1"/>
+          </p:cNvSpPr>
+          <p:nvPr>
+            <p:ph type="body" idx="1"/>
+          </p:nvPr>
+        </p:nvSpPr>
+        <p:spPr/>
+        <p:txBody>
+          <a:bodyPr/>
+          <a:lstStyle/>
+          <a:p>
+            <a:endParaRPr lang="en-GB" dirty="0"/>
+          </a:p>
+        </p:txBody>
+      </p:sp>
+      <p:sp>
+        <p:nvSpPr>
+          <p:cNvPr id="4" name="Plassholder for lysbildenummer 3"/>
+          <p:cNvSpPr>
+            <a:spLocks noGrp="1"/>
+          </p:cNvSpPr>
+          <p:nvPr>
+            <p:ph type="sldNum" sz="quarter" idx="5"/>
+          </p:nvPr>
+        </p:nvSpPr>
+        <p:spPr/>
+        <p:txBody>
+          <a:bodyPr/>
+          <a:lstStyle/>
+          <a:p>
+            <a:fld id="{A9B8CA07-BE1F-274E-8706-171B5A7EC955}" type="slidenum">
+              <a:rPr lang="en-GB" smtClean="0"/>
+              <a:t>4</a:t>
+            </a:fld>
+            <a:endParaRPr lang="en-GB"/>
+          </a:p>
+        </p:txBody>
+      </p:sp>
+    </p:spTree>
+    <p:extLst>
+      <p:ext uri="{BB962C8B-B14F-4D97-AF65-F5344CB8AC3E}">
+        <p14:creationId xmlns:p14="http://schemas.microsoft.com/office/powerpoint/2010/main" val="1592708179"/>
+      </p:ext>
+    </p:extLst>
+  </p:cSld>
+  <p:clrMapOvr>
+    <a:masterClrMapping/>
+  </p:clrMapOvr>
+</p:notes>
+</file>
+
+<file path=ppt/notesSlides/notesSlide3.xml><?xml version="1.0" encoding="utf-8"?>
+<p:notes xmlns:a="http://schemas.openxmlformats.org/drawingml/2006/main" xmlns:r="http://schemas.openxmlformats.org/officeDocument/2006/relationships" xmlns:p="http://schemas.openxmlformats.org/presentationml/2006/main">
+  <p:cSld>
+    <p:spTree>
+      <p:nvGrpSpPr>
+        <p:cNvPr id="1" name=""/>
+        <p:cNvGrpSpPr/>
+        <p:nvPr/>
+      </p:nvGrpSpPr>
+      <p:grpSpPr>
+        <a:xfrm>
+          <a:off x="0" y="0"/>
+          <a:ext cx="0" cy="0"/>
+          <a:chOff x="0" y="0"/>
+          <a:chExt cx="0" cy="0"/>
+        </a:xfrm>
+      </p:grpSpPr>
+      <p:sp>
+        <p:nvSpPr>
+          <p:cNvPr id="2" name="Plassholder for lysbilde 1"/>
+          <p:cNvSpPr>
+            <a:spLocks noGrp="1" noRot="1" noChangeAspect="1"/>
+          </p:cNvSpPr>
+          <p:nvPr>
+            <p:ph type="sldImg"/>
+          </p:nvPr>
+        </p:nvSpPr>
+        <p:spPr/>
+      </p:sp>
+      <p:sp>
+        <p:nvSpPr>
+          <p:cNvPr id="3" name="Plassholder for notater 2"/>
+          <p:cNvSpPr>
+            <a:spLocks noGrp="1"/>
+          </p:cNvSpPr>
+          <p:nvPr>
+            <p:ph type="body" idx="1"/>
+          </p:nvPr>
+        </p:nvSpPr>
+        <p:spPr/>
+        <p:txBody>
+          <a:bodyPr/>
+          <a:lstStyle/>
+          <a:p>
+            <a:r>
+              <a:rPr lang="en-GB" dirty="0"/>
+              <a:t>This class illustrates a desire to be relevant and applied, proven from the Python/ R ratio in the projects.</a:t>
+            </a:r>
+          </a:p>
+        </p:txBody>
+      </p:sp>
+      <p:sp>
+        <p:nvSpPr>
+          <p:cNvPr id="4" name="Plassholder for lysbildenummer 3"/>
+          <p:cNvSpPr>
+            <a:spLocks noGrp="1"/>
+          </p:cNvSpPr>
+          <p:nvPr>
+            <p:ph type="sldNum" sz="quarter" idx="5"/>
+          </p:nvPr>
+        </p:nvSpPr>
+        <p:spPr/>
+        <p:txBody>
+          <a:bodyPr/>
+          <a:lstStyle/>
+          <a:p>
+            <a:fld id="{A9B8CA07-BE1F-274E-8706-171B5A7EC955}" type="slidenum">
+              <a:rPr lang="en-GB" smtClean="0"/>
+              <a:t>9</a:t>
             </a:fld>
             <a:endParaRPr lang="en-GB"/>
           </a:p>
@@ -3365,6 +3537,97 @@
           <p:cNvPr id="2" name="Tittel 1">
             <a:extLst>
               <a:ext uri="{FF2B5EF4-FFF2-40B4-BE49-F238E27FC236}">
+                <a16:creationId xmlns:a16="http://schemas.microsoft.com/office/drawing/2014/main" id="{3B59C0AD-3D7D-D84D-9D1C-FA28CB8F4059}"/>
+              </a:ext>
+            </a:extLst>
+          </p:cNvPr>
+          <p:cNvSpPr>
+            <a:spLocks noGrp="1"/>
+          </p:cNvSpPr>
+          <p:nvPr>
+            <p:ph type="title"/>
+          </p:nvPr>
+        </p:nvSpPr>
+        <p:spPr/>
+        <p:txBody>
+          <a:bodyPr/>
+          <a:lstStyle/>
+          <a:p>
+            <a:r>
+              <a:rPr lang="en-GB" dirty="0"/>
+              <a:t>For education</a:t>
+            </a:r>
+          </a:p>
+        </p:txBody>
+      </p:sp>
+      <p:sp>
+        <p:nvSpPr>
+          <p:cNvPr id="3" name="Plassholder for innhold 2">
+            <a:extLst>
+              <a:ext uri="{FF2B5EF4-FFF2-40B4-BE49-F238E27FC236}">
+                <a16:creationId xmlns:a16="http://schemas.microsoft.com/office/drawing/2014/main" id="{6F3C9FC7-4431-1342-801F-C4E50CF757D3}"/>
+              </a:ext>
+            </a:extLst>
+          </p:cNvPr>
+          <p:cNvSpPr>
+            <a:spLocks noGrp="1"/>
+          </p:cNvSpPr>
+          <p:nvPr>
+            <p:ph idx="1"/>
+          </p:nvPr>
+        </p:nvSpPr>
+        <p:spPr>
+          <a:xfrm>
+            <a:off x="982193" y="1350169"/>
+            <a:ext cx="7681516" cy="3465766"/>
+          </a:xfrm>
+        </p:spPr>
+        <p:txBody>
+          <a:bodyPr/>
+          <a:lstStyle/>
+          <a:p>
+            <a:r>
+              <a:rPr lang="en-GB" dirty="0"/>
+              <a:t>The future of education in statistics</a:t>
+            </a:r>
+          </a:p>
+        </p:txBody>
+      </p:sp>
+    </p:spTree>
+    <p:extLst>
+      <p:ext uri="{BB962C8B-B14F-4D97-AF65-F5344CB8AC3E}">
+        <p14:creationId xmlns:p14="http://schemas.microsoft.com/office/powerpoint/2010/main" val="3323575912"/>
+      </p:ext>
+    </p:extLst>
+  </p:cSld>
+  <p:clrMapOvr>
+    <a:masterClrMapping/>
+  </p:clrMapOvr>
+</p:sld>
+</file>
+
+<file path=ppt/slides/slide11.xml><?xml version="1.0" encoding="utf-8"?>
+<p:sld xmlns:a="http://schemas.openxmlformats.org/drawingml/2006/main" xmlns:r="http://schemas.openxmlformats.org/officeDocument/2006/relationships" xmlns:p="http://schemas.openxmlformats.org/presentationml/2006/main">
+  <p:cSld>
+    <p:spTree>
+      <p:nvGrpSpPr>
+        <p:cNvPr id="1" name=""/>
+        <p:cNvGrpSpPr/>
+        <p:nvPr/>
+      </p:nvGrpSpPr>
+      <p:grpSpPr>
+        <a:xfrm>
+          <a:off x="0" y="0"/>
+          <a:ext cx="0" cy="0"/>
+          <a:chOff x="0" y="0"/>
+          <a:chExt cx="0" cy="0"/>
+        </a:xfrm>
+      </p:grpSpPr>
+      <p:sp>
+        <p:nvSpPr>
+          <p:cNvPr id="2" name="Tittel 1">
+            <a:extLst>
+              <a:ext uri="{FF2B5EF4-FFF2-40B4-BE49-F238E27FC236}">
                 <a16:creationId xmlns:a16="http://schemas.microsoft.com/office/drawing/2014/main" id="{F3FD2761-8C0A-8A46-955A-778A8CBD0BB4}"/>
               </a:ext>
             </a:extLst>
@@ -3627,7 +3890,7 @@
           <a:p>
             <a:r>
               <a:rPr lang="en-GB" dirty="0"/>
-              <a:t>Buzz confusion</a:t>
+              <a:t>Definitions and terminology	</a:t>
             </a:r>
           </a:p>
         </p:txBody>
@@ -3653,57 +3916,35 @@
           <a:bodyPr/>
           <a:lstStyle/>
           <a:p>
-            <a:r>
-              <a:rPr lang="en-GB" dirty="0"/>
-              <a:t>Definitions and terminology</a:t>
-            </a:r>
-          </a:p>
-          <a:p>
-            <a:pPr lvl="1"/>
+            <a:pPr marL="400050"/>
             <a:r>
               <a:rPr lang="en-GB" dirty="0"/>
               <a:t>Greater statistics</a:t>
             </a:r>
           </a:p>
           <a:p>
-            <a:pPr lvl="1"/>
+            <a:pPr marL="400050"/>
             <a:r>
               <a:rPr lang="en-GB" dirty="0"/>
               <a:t>Lesser statistics</a:t>
             </a:r>
           </a:p>
           <a:p>
+            <a:pPr marL="800100" lvl="1"/>
+            <a:r>
+              <a:rPr lang="en-GB" dirty="0"/>
+              <a:t>View of the general public</a:t>
+            </a:r>
+          </a:p>
+          <a:p>
+            <a:pPr marL="800100" lvl="1"/>
+            <a:r>
+              <a:rPr lang="en-GB" dirty="0"/>
+              <a:t>Position in the article</a:t>
+            </a:r>
+          </a:p>
+          <a:p>
             <a:pPr lvl="1"/>
-            <a:endParaRPr lang="en-GB" dirty="0"/>
-          </a:p>
-          <a:p>
-            <a:r>
-              <a:rPr lang="en-GB" dirty="0"/>
-              <a:t>The stand in the article</a:t>
-            </a:r>
-          </a:p>
-          <a:p>
-            <a:pPr lvl="1"/>
-            <a:r>
-              <a:rPr lang="en-GB" dirty="0"/>
-              <a:t>Lesser statistics</a:t>
-            </a:r>
-          </a:p>
-          <a:p>
-            <a:pPr lvl="2"/>
-            <a:r>
-              <a:rPr lang="en-GB" dirty="0"/>
-              <a:t>Also the general belief of “the outside world”</a:t>
-            </a:r>
-          </a:p>
-          <a:p>
-            <a:pPr lvl="1"/>
-            <a:r>
-              <a:rPr lang="en-GB" dirty="0"/>
-              <a:t>Value to society</a:t>
-            </a:r>
-          </a:p>
-          <a:p>
             <a:endParaRPr lang="en-GB" dirty="0"/>
           </a:p>
         </p:txBody>
@@ -3743,7 +3984,7 @@
           <p:cNvPr id="2" name="Tittel 1">
             <a:extLst>
               <a:ext uri="{FF2B5EF4-FFF2-40B4-BE49-F238E27FC236}">
-                <a16:creationId xmlns:a16="http://schemas.microsoft.com/office/drawing/2014/main" id="{9C7E2ABB-E7D1-4248-8F72-0F790F1FAC29}"/>
+                <a16:creationId xmlns:a16="http://schemas.microsoft.com/office/drawing/2014/main" id="{A1BA0A88-4044-AA48-A668-FA46B146A280}"/>
               </a:ext>
             </a:extLst>
           </p:cNvPr>
@@ -3761,7 +4002,7 @@
           <a:p>
             <a:r>
               <a:rPr lang="en-GB" dirty="0"/>
-              <a:t>What is data science?</a:t>
+              <a:t>The stand taken in the article</a:t>
             </a:r>
           </a:p>
         </p:txBody>
@@ -3771,7 +4012,7 @@
           <p:cNvPr id="3" name="Plassholder for innhold 2">
             <a:extLst>
               <a:ext uri="{FF2B5EF4-FFF2-40B4-BE49-F238E27FC236}">
-                <a16:creationId xmlns:a16="http://schemas.microsoft.com/office/drawing/2014/main" id="{082F24E9-72F1-C448-8D35-03FBBF3CB8C5}"/>
+                <a16:creationId xmlns:a16="http://schemas.microsoft.com/office/drawing/2014/main" id="{8382F685-1DC3-7A45-BD42-2E9B400219D1}"/>
               </a:ext>
             </a:extLst>
           </p:cNvPr>
@@ -3789,15 +4030,18 @@
           <a:p>
             <a:r>
               <a:rPr lang="en-GB" dirty="0"/>
-              <a:t>Quotes here</a:t>
-            </a:r>
+              <a:t>“…providing value to society by broadening the discipline in technical ways”</a:t>
+            </a:r>
+          </a:p>
+          <a:p>
+            <a:endParaRPr lang="en-GB" dirty="0"/>
           </a:p>
         </p:txBody>
       </p:sp>
     </p:spTree>
     <p:extLst>
       <p:ext uri="{BB962C8B-B14F-4D97-AF65-F5344CB8AC3E}">
-        <p14:creationId xmlns:p14="http://schemas.microsoft.com/office/powerpoint/2010/main" val="2572729743"/>
+        <p14:creationId xmlns:p14="http://schemas.microsoft.com/office/powerpoint/2010/main" val="1731117512"/>
       </p:ext>
     </p:extLst>
   </p:cSld>
@@ -3829,7 +4073,7 @@
           <p:cNvPr id="2" name="Tittel 1">
             <a:extLst>
               <a:ext uri="{FF2B5EF4-FFF2-40B4-BE49-F238E27FC236}">
-                <a16:creationId xmlns:a16="http://schemas.microsoft.com/office/drawing/2014/main" id="{A2CAE4DC-4CDC-B246-A010-11A6536D4C1B}"/>
+                <a16:creationId xmlns:a16="http://schemas.microsoft.com/office/drawing/2014/main" id="{9C7E2ABB-E7D1-4248-8F72-0F790F1FAC29}"/>
               </a:ext>
             </a:extLst>
           </p:cNvPr>
@@ -3840,26 +4084,14 @@
             <p:ph type="title"/>
           </p:nvPr>
         </p:nvSpPr>
-        <p:spPr>
-          <a:xfrm>
-            <a:off x="982193" y="205979"/>
-            <a:ext cx="7681516" cy="1200329"/>
-          </a:xfrm>
-        </p:spPr>
+        <p:spPr/>
         <p:txBody>
           <a:bodyPr/>
           <a:lstStyle/>
           <a:p>
             <a:r>
               <a:rPr lang="en-GB" dirty="0"/>
-              <a:t>The principal components </a:t>
-            </a:r>
-            <a:br>
-              <a:rPr lang="en-GB" dirty="0"/>
-            </a:br>
-            <a:r>
-              <a:rPr lang="en-GB" dirty="0"/>
-              <a:t>of data science</a:t>
+              <a:t>What is data science?</a:t>
             </a:r>
           </a:p>
         </p:txBody>
@@ -3869,7 +4101,7 @@
           <p:cNvPr id="3" name="Plassholder for innhold 2">
             <a:extLst>
               <a:ext uri="{FF2B5EF4-FFF2-40B4-BE49-F238E27FC236}">
-                <a16:creationId xmlns:a16="http://schemas.microsoft.com/office/drawing/2014/main" id="{AA81DAEF-EA91-CB40-961D-FBEC6AC07A68}"/>
+                <a16:creationId xmlns:a16="http://schemas.microsoft.com/office/drawing/2014/main" id="{082F24E9-72F1-C448-8D35-03FBBF3CB8C5}"/>
               </a:ext>
             </a:extLst>
           </p:cNvPr>
@@ -3880,37 +4112,14 @@
             <p:ph idx="1"/>
           </p:nvPr>
         </p:nvSpPr>
-        <p:spPr>
-          <a:xfrm>
-            <a:off x="982193" y="1707356"/>
-            <a:ext cx="7681516" cy="3108579"/>
-          </a:xfrm>
-        </p:spPr>
+        <p:spPr/>
         <p:txBody>
           <a:bodyPr/>
           <a:lstStyle/>
           <a:p>
             <a:r>
               <a:rPr lang="en-GB" dirty="0"/>
-              <a:t>3.1</a:t>
-            </a:r>
-          </a:p>
-          <a:p>
-            <a:r>
-              <a:rPr lang="en-GB" dirty="0"/>
-              <a:t>3.2</a:t>
-            </a:r>
-          </a:p>
-          <a:p>
-            <a:r>
-              <a:rPr lang="en-GB" dirty="0"/>
-              <a:t>3.3</a:t>
-            </a:r>
-          </a:p>
-          <a:p>
-            <a:r>
-              <a:rPr lang="en-GB" dirty="0"/>
-              <a:t>3.4</a:t>
+              <a:t>Quotes here</a:t>
             </a:r>
           </a:p>
         </p:txBody>
@@ -3918,7 +4127,7 @@
     </p:spTree>
     <p:extLst>
       <p:ext uri="{BB962C8B-B14F-4D97-AF65-F5344CB8AC3E}">
-        <p14:creationId xmlns:p14="http://schemas.microsoft.com/office/powerpoint/2010/main" val="1946370472"/>
+        <p14:creationId xmlns:p14="http://schemas.microsoft.com/office/powerpoint/2010/main" val="2572729743"/>
       </p:ext>
     </p:extLst>
   </p:cSld>
@@ -3950,7 +4159,7 @@
           <p:cNvPr id="2" name="Tittel 1">
             <a:extLst>
               <a:ext uri="{FF2B5EF4-FFF2-40B4-BE49-F238E27FC236}">
-                <a16:creationId xmlns:a16="http://schemas.microsoft.com/office/drawing/2014/main" id="{C6C57CC3-33AC-3C42-9EDB-BB7F0B735524}"/>
+                <a16:creationId xmlns:a16="http://schemas.microsoft.com/office/drawing/2014/main" id="{A2CAE4DC-4CDC-B246-A010-11A6536D4C1B}"/>
               </a:ext>
             </a:extLst>
           </p:cNvPr>
@@ -3964,7 +4173,7 @@
         <p:spPr>
           <a:xfrm>
             <a:off x="982193" y="205979"/>
-            <a:ext cx="7681516" cy="646331"/>
+            <a:ext cx="7681516" cy="1200329"/>
           </a:xfrm>
         </p:spPr>
         <p:txBody>
@@ -3973,7 +4182,14 @@
           <a:p>
             <a:r>
               <a:rPr lang="en-GB" dirty="0"/>
-              <a:t>Critiques of statistics</a:t>
+              <a:t>The principal components </a:t>
+            </a:r>
+            <a:br>
+              <a:rPr lang="en-GB" dirty="0"/>
+            </a:br>
+            <a:r>
+              <a:rPr lang="en-GB" dirty="0"/>
+              <a:t>of data science</a:t>
             </a:r>
           </a:p>
         </p:txBody>
@@ -3983,7 +4199,7 @@
           <p:cNvPr id="3" name="Plassholder for innhold 2">
             <a:extLst>
               <a:ext uri="{FF2B5EF4-FFF2-40B4-BE49-F238E27FC236}">
-                <a16:creationId xmlns:a16="http://schemas.microsoft.com/office/drawing/2014/main" id="{82162D15-FCDD-2143-9FD7-3F7D1AE37A65}"/>
+                <a16:creationId xmlns:a16="http://schemas.microsoft.com/office/drawing/2014/main" id="{AA81DAEF-EA91-CB40-961D-FBEC6AC07A68}"/>
               </a:ext>
             </a:extLst>
           </p:cNvPr>
@@ -3994,14 +4210,37 @@
             <p:ph idx="1"/>
           </p:nvPr>
         </p:nvSpPr>
-        <p:spPr/>
+        <p:spPr>
+          <a:xfrm>
+            <a:off x="982193" y="1707356"/>
+            <a:ext cx="7681516" cy="3108579"/>
+          </a:xfrm>
+        </p:spPr>
         <p:txBody>
           <a:bodyPr/>
           <a:lstStyle/>
           <a:p>
             <a:r>
               <a:rPr lang="en-GB" dirty="0"/>
-              <a:t>“The fact that data science exists as a field is a colossal failure of statistics”</a:t>
+              <a:t>3.1</a:t>
+            </a:r>
+          </a:p>
+          <a:p>
+            <a:r>
+              <a:rPr lang="en-GB" dirty="0"/>
+              <a:t>3.2</a:t>
+            </a:r>
+          </a:p>
+          <a:p>
+            <a:r>
+              <a:rPr lang="en-GB" dirty="0"/>
+              <a:t>3.3</a:t>
+            </a:r>
+          </a:p>
+          <a:p>
+            <a:r>
+              <a:rPr lang="en-GB" dirty="0"/>
+              <a:t>3.4</a:t>
             </a:r>
           </a:p>
         </p:txBody>
@@ -4009,7 +4248,7 @@
     </p:spTree>
     <p:extLst>
       <p:ext uri="{BB962C8B-B14F-4D97-AF65-F5344CB8AC3E}">
-        <p14:creationId xmlns:p14="http://schemas.microsoft.com/office/powerpoint/2010/main" val="658395917"/>
+        <p14:creationId xmlns:p14="http://schemas.microsoft.com/office/powerpoint/2010/main" val="1946370472"/>
       </p:ext>
     </p:extLst>
   </p:cSld>
@@ -4041,7 +4280,7 @@
           <p:cNvPr id="2" name="Tittel 1">
             <a:extLst>
               <a:ext uri="{FF2B5EF4-FFF2-40B4-BE49-F238E27FC236}">
-                <a16:creationId xmlns:a16="http://schemas.microsoft.com/office/drawing/2014/main" id="{5F1F9F51-2CE7-6F43-B3E9-4A39DB105408}"/>
+                <a16:creationId xmlns:a16="http://schemas.microsoft.com/office/drawing/2014/main" id="{C6C57CC3-33AC-3C42-9EDB-BB7F0B735524}"/>
               </a:ext>
             </a:extLst>
           </p:cNvPr>
@@ -4052,14 +4291,19 @@
             <p:ph type="title"/>
           </p:nvPr>
         </p:nvSpPr>
-        <p:spPr/>
+        <p:spPr>
+          <a:xfrm>
+            <a:off x="982193" y="205979"/>
+            <a:ext cx="7681516" cy="646331"/>
+          </a:xfrm>
+        </p:spPr>
         <p:txBody>
           <a:bodyPr/>
           <a:lstStyle/>
           <a:p>
             <a:r>
               <a:rPr lang="en-GB" dirty="0"/>
-              <a:t>Going forward</a:t>
+              <a:t>Critiques of statistics</a:t>
             </a:r>
           </a:p>
         </p:txBody>
@@ -4069,7 +4313,7 @@
           <p:cNvPr id="3" name="Plassholder for innhold 2">
             <a:extLst>
               <a:ext uri="{FF2B5EF4-FFF2-40B4-BE49-F238E27FC236}">
-                <a16:creationId xmlns:a16="http://schemas.microsoft.com/office/drawing/2014/main" id="{95FF7198-7D06-1742-A58D-26933C530D03}"/>
+                <a16:creationId xmlns:a16="http://schemas.microsoft.com/office/drawing/2014/main" id="{82162D15-FCDD-2143-9FD7-3F7D1AE37A65}"/>
               </a:ext>
             </a:extLst>
           </p:cNvPr>
@@ -4080,25 +4324,14 @@
             <p:ph idx="1"/>
           </p:nvPr>
         </p:nvSpPr>
-        <p:spPr>
-          <a:xfrm>
-            <a:off x="982193" y="1178719"/>
-            <a:ext cx="7681516" cy="3637216"/>
-          </a:xfrm>
-        </p:spPr>
+        <p:spPr/>
         <p:txBody>
           <a:bodyPr/>
           <a:lstStyle/>
           <a:p>
             <a:r>
               <a:rPr lang="en-GB" dirty="0"/>
-              <a:t>“Get statistics back up”</a:t>
-            </a:r>
-          </a:p>
-          <a:p>
-            <a:r>
-              <a:rPr lang="en-GB" dirty="0"/>
-              <a:t>A general response here before going explicitly into the two subsections </a:t>
+              <a:t>“The fact that data science exists as a field is a colossal failure of statistics”</a:t>
             </a:r>
           </a:p>
         </p:txBody>
@@ -4106,7 +4339,7 @@
     </p:spTree>
     <p:extLst>
       <p:ext uri="{BB962C8B-B14F-4D97-AF65-F5344CB8AC3E}">
-        <p14:creationId xmlns:p14="http://schemas.microsoft.com/office/powerpoint/2010/main" val="37620304"/>
+        <p14:creationId xmlns:p14="http://schemas.microsoft.com/office/powerpoint/2010/main" val="658395917"/>
       </p:ext>
     </p:extLst>
   </p:cSld>
@@ -4138,7 +4371,7 @@
           <p:cNvPr id="2" name="Tittel 1">
             <a:extLst>
               <a:ext uri="{FF2B5EF4-FFF2-40B4-BE49-F238E27FC236}">
-                <a16:creationId xmlns:a16="http://schemas.microsoft.com/office/drawing/2014/main" id="{824753E3-55A4-5C44-AB07-E72781AC6026}"/>
+                <a16:creationId xmlns:a16="http://schemas.microsoft.com/office/drawing/2014/main" id="{5F1F9F51-2CE7-6F43-B3E9-4A39DB105408}"/>
               </a:ext>
             </a:extLst>
           </p:cNvPr>
@@ -4156,7 +4389,7 @@
           <a:p>
             <a:r>
               <a:rPr lang="en-GB" dirty="0"/>
-              <a:t>For research</a:t>
+              <a:t>Going forward</a:t>
             </a:r>
           </a:p>
         </p:txBody>
@@ -4166,7 +4399,7 @@
           <p:cNvPr id="3" name="Plassholder for innhold 2">
             <a:extLst>
               <a:ext uri="{FF2B5EF4-FFF2-40B4-BE49-F238E27FC236}">
-                <a16:creationId xmlns:a16="http://schemas.microsoft.com/office/drawing/2014/main" id="{36E70A85-84F5-D74E-AB20-2F8C8A505DB0}"/>
+                <a16:creationId xmlns:a16="http://schemas.microsoft.com/office/drawing/2014/main" id="{95FF7198-7D06-1742-A58D-26933C530D03}"/>
               </a:ext>
             </a:extLst>
           </p:cNvPr>
@@ -4177,19 +4410,33 @@
             <p:ph idx="1"/>
           </p:nvPr>
         </p:nvSpPr>
-        <p:spPr/>
+        <p:spPr>
+          <a:xfrm>
+            <a:off x="982193" y="1178719"/>
+            <a:ext cx="7681516" cy="3637216"/>
+          </a:xfrm>
+        </p:spPr>
         <p:txBody>
           <a:bodyPr/>
           <a:lstStyle/>
           <a:p>
-            <a:endParaRPr lang="en-GB" dirty="0"/>
+            <a:r>
+              <a:rPr lang="en-GB" dirty="0"/>
+              <a:t>“Get statistics back up”</a:t>
+            </a:r>
+          </a:p>
+          <a:p>
+            <a:r>
+              <a:rPr lang="en-GB" dirty="0"/>
+              <a:t>A general response here before going explicitly into the two subsections </a:t>
+            </a:r>
           </a:p>
         </p:txBody>
       </p:sp>
     </p:spTree>
     <p:extLst>
       <p:ext uri="{BB962C8B-B14F-4D97-AF65-F5344CB8AC3E}">
-        <p14:creationId xmlns:p14="http://schemas.microsoft.com/office/powerpoint/2010/main" val="3383589931"/>
+        <p14:creationId xmlns:p14="http://schemas.microsoft.com/office/powerpoint/2010/main" val="37620304"/>
       </p:ext>
     </p:extLst>
   </p:cSld>
@@ -4221,7 +4468,7 @@
           <p:cNvPr id="2" name="Tittel 1">
             <a:extLst>
               <a:ext uri="{FF2B5EF4-FFF2-40B4-BE49-F238E27FC236}">
-                <a16:creationId xmlns:a16="http://schemas.microsoft.com/office/drawing/2014/main" id="{3B59C0AD-3D7D-D84D-9D1C-FA28CB8F4059}"/>
+                <a16:creationId xmlns:a16="http://schemas.microsoft.com/office/drawing/2014/main" id="{824753E3-55A4-5C44-AB07-E72781AC6026}"/>
               </a:ext>
             </a:extLst>
           </p:cNvPr>
@@ -4239,7 +4486,7 @@
           <a:p>
             <a:r>
               <a:rPr lang="en-GB" dirty="0"/>
-              <a:t>For education</a:t>
+              <a:t>For research</a:t>
             </a:r>
           </a:p>
         </p:txBody>
@@ -4249,7 +4496,7 @@
           <p:cNvPr id="3" name="Plassholder for innhold 2">
             <a:extLst>
               <a:ext uri="{FF2B5EF4-FFF2-40B4-BE49-F238E27FC236}">
-                <a16:creationId xmlns:a16="http://schemas.microsoft.com/office/drawing/2014/main" id="{6F3C9FC7-4431-1342-801F-C4E50CF757D3}"/>
+                <a16:creationId xmlns:a16="http://schemas.microsoft.com/office/drawing/2014/main" id="{36E70A85-84F5-D74E-AB20-2F8C8A505DB0}"/>
               </a:ext>
             </a:extLst>
           </p:cNvPr>
@@ -4260,27 +4507,19 @@
             <p:ph idx="1"/>
           </p:nvPr>
         </p:nvSpPr>
-        <p:spPr>
-          <a:xfrm>
-            <a:off x="982193" y="1350169"/>
-            <a:ext cx="7681516" cy="3465766"/>
-          </a:xfrm>
-        </p:spPr>
+        <p:spPr/>
         <p:txBody>
           <a:bodyPr/>
           <a:lstStyle/>
           <a:p>
-            <a:r>
-              <a:rPr lang="en-GB" dirty="0"/>
-              <a:t>The future of education in statistics</a:t>
-            </a:r>
+            <a:endParaRPr lang="en-GB" dirty="0"/>
           </a:p>
         </p:txBody>
       </p:sp>
     </p:spTree>
     <p:extLst>
       <p:ext uri="{BB962C8B-B14F-4D97-AF65-F5344CB8AC3E}">
-        <p14:creationId xmlns:p14="http://schemas.microsoft.com/office/powerpoint/2010/main" val="3323575912"/>
+        <p14:creationId xmlns:p14="http://schemas.microsoft.com/office/powerpoint/2010/main" val="3383589931"/>
       </p:ext>
     </p:extLst>
   </p:cSld>

--- a/Article presentation.pptx
+++ b/Article presentation.pptx
@@ -160,7 +160,7 @@
     </p:extLst>
   </p:cm>
   <p:cm authorId="1" dt="2021-03-11T17:46:40.956" idx="3">
-    <p:pos x="2885" y="1132"/>
+    <p:pos x="2112" y="2052"/>
     <p:text>En tar dette</p:text>
     <p:extLst>
       <p:ext uri="{C676402C-5697-4E1C-873F-D02D1690AC5C}">
@@ -169,7 +169,7 @@
     </p:extLst>
   </p:cm>
   <p:cm authorId="1" dt="2021-03-11T17:47:02.228" idx="4">
-    <p:pos x="2147" y="1683"/>
+    <p:pos x="2854" y="1476"/>
     <p:text>En annen tar dette</p:text>
     <p:extLst>
       <p:ext uri="{C676402C-5697-4E1C-873F-D02D1690AC5C}">
@@ -3795,6 +3795,29 @@
           <a:p>
             <a:r>
               <a:rPr lang="nb-NO" dirty="0" err="1"/>
+              <a:t>Critiques</a:t>
+            </a:r>
+            <a:r>
+              <a:rPr lang="nb-NO" dirty="0"/>
+              <a:t> </a:t>
+            </a:r>
+            <a:r>
+              <a:rPr lang="nb-NO" dirty="0" err="1"/>
+              <a:t>of</a:t>
+            </a:r>
+            <a:r>
+              <a:rPr lang="nb-NO" dirty="0"/>
+              <a:t> </a:t>
+            </a:r>
+            <a:r>
+              <a:rPr lang="nb-NO"/>
+              <a:t>statistics</a:t>
+            </a:r>
+            <a:endParaRPr lang="nb-NO" dirty="0"/>
+          </a:p>
+          <a:p>
+            <a:r>
+              <a:rPr lang="nb-NO" dirty="0" err="1"/>
               <a:t>What</a:t>
             </a:r>
             <a:r>
@@ -3805,7 +3828,7 @@
           <a:p>
             <a:r>
               <a:rPr lang="nb-NO" dirty="0" err="1"/>
-              <a:t>Critiques</a:t>
+              <a:t>Principle</a:t>
             </a:r>
             <a:r>
               <a:rPr lang="nb-NO" dirty="0"/>
@@ -3813,17 +3836,12 @@
             </a:r>
             <a:r>
               <a:rPr lang="nb-NO" dirty="0" err="1"/>
-              <a:t>of</a:t>
+              <a:t>components</a:t>
             </a:r>
             <a:r>
               <a:rPr lang="nb-NO" dirty="0"/>
               <a:t> </a:t>
             </a:r>
-            <a:r>
-              <a:rPr lang="nb-NO" dirty="0" err="1"/>
-              <a:t>statistics</a:t>
-            </a:r>
-            <a:endParaRPr lang="nb-NO" dirty="0"/>
           </a:p>
           <a:p>
             <a:r>
@@ -3834,6 +3852,13 @@
               <a:rPr lang="nb-NO" dirty="0"/>
               <a:t> forward</a:t>
             </a:r>
+          </a:p>
+          <a:p>
+            <a:r>
+              <a:rPr lang="nb-NO" dirty="0" err="1"/>
+              <a:t>Conclusion</a:t>
+            </a:r>
+            <a:endParaRPr lang="nb-NO" dirty="0"/>
           </a:p>
         </p:txBody>
       </p:sp>
